--- a/Lessons/H_Equities_CreditModeling/C_NonTraditionalMkts.pptx
+++ b/Lessons/H_Equities_CreditModeling/C_NonTraditionalMkts.pptx
@@ -5,24 +5,22 @@
     <p:sldMasterId id="2147483660" r:id="rId1"/>
   </p:sldMasterIdLst>
   <p:notesMasterIdLst>
-    <p:notesMasterId r:id="rId17"/>
+    <p:notesMasterId r:id="rId15"/>
   </p:notesMasterIdLst>
   <p:sldIdLst>
     <p:sldId id="297" r:id="rId2"/>
-    <p:sldId id="513" r:id="rId3"/>
-    <p:sldId id="425" r:id="rId4"/>
-    <p:sldId id="514" r:id="rId5"/>
-    <p:sldId id="426" r:id="rId6"/>
-    <p:sldId id="427" r:id="rId7"/>
-    <p:sldId id="428" r:id="rId8"/>
-    <p:sldId id="429" r:id="rId9"/>
-    <p:sldId id="430" r:id="rId10"/>
-    <p:sldId id="432" r:id="rId11"/>
-    <p:sldId id="440" r:id="rId12"/>
-    <p:sldId id="441" r:id="rId13"/>
-    <p:sldId id="515" r:id="rId14"/>
-    <p:sldId id="518" r:id="rId15"/>
-    <p:sldId id="445" r:id="rId16"/>
+    <p:sldId id="425" r:id="rId3"/>
+    <p:sldId id="514" r:id="rId4"/>
+    <p:sldId id="426" r:id="rId5"/>
+    <p:sldId id="427" r:id="rId6"/>
+    <p:sldId id="428" r:id="rId7"/>
+    <p:sldId id="429" r:id="rId8"/>
+    <p:sldId id="430" r:id="rId9"/>
+    <p:sldId id="432" r:id="rId10"/>
+    <p:sldId id="440" r:id="rId11"/>
+    <p:sldId id="441" r:id="rId12"/>
+    <p:sldId id="518" r:id="rId13"/>
+    <p:sldId id="445" r:id="rId14"/>
   </p:sldIdLst>
   <p:sldSz cx="9144000" cy="6858000" type="screen4x3"/>
   <p:notesSz cx="6858000" cy="9144000"/>
@@ -222,7 +220,7 @@
           <a:p>
             <a:fld id="{B0C0A60C-850A-4EA4-9C14-A8FE98B94505}" type="datetimeFigureOut">
               <a:rPr lang="en-US" smtClean="0"/>
-              <a:t>11/7/22</a:t>
+              <a:t>11/6/23</a:t>
             </a:fld>
             <a:endParaRPr lang="en-US"/>
           </a:p>
@@ -641,7 +639,7 @@
           <a:p>
             <a:fld id="{24E9AA13-E3FC-4BB6-B68D-5F0F5803D716}" type="slidenum">
               <a:rPr lang="en-US" smtClean="0"/>
-              <a:t>10</a:t>
+              <a:t>9</a:t>
             </a:fld>
             <a:endParaRPr lang="en-US"/>
           </a:p>
@@ -792,7 +790,7 @@
           <a:p>
             <a:fld id="{5738B90E-0779-4C36-915C-6F05FCD89456}" type="datetime1">
               <a:rPr lang="en-US" smtClean="0"/>
-              <a:t>11/7/22</a:t>
+              <a:t>11/6/23</a:t>
             </a:fld>
             <a:endParaRPr lang="en-US"/>
           </a:p>
@@ -902,7 +900,7 @@
           <a:p>
             <a:r>
               <a:rPr lang="en-US" dirty="0"/>
-              <a:t>Kwartler CSCI S-96</a:t>
+              <a:t>Kwartler </a:t>
             </a:r>
           </a:p>
         </p:txBody>
@@ -1010,7 +1008,7 @@
           <a:p>
             <a:fld id="{7B9EA29D-D431-42FE-B7B6-AAE4454C77D3}" type="datetime1">
               <a:rPr lang="en-US" smtClean="0"/>
-              <a:t>11/7/22</a:t>
+              <a:t>11/6/23</a:t>
             </a:fld>
             <a:endParaRPr lang="en-US"/>
           </a:p>
@@ -1032,8 +1030,8 @@
           <a:lstStyle/>
           <a:p>
             <a:r>
-              <a:rPr lang="en-US"/>
-              <a:t>Kwartler CSCI S-96</a:t>
+              <a:rPr lang="en-US" dirty="0"/>
+              <a:t>Kwartler </a:t>
             </a:r>
           </a:p>
         </p:txBody>
@@ -1270,7 +1268,7 @@
           <a:p>
             <a:fld id="{690D8A1E-EA8F-46C1-B891-AE0C00D9C314}" type="datetime1">
               <a:rPr lang="en-US" smtClean="0"/>
-              <a:t>11/7/22</a:t>
+              <a:t>11/6/23</a:t>
             </a:fld>
             <a:endParaRPr lang="en-US"/>
           </a:p>
@@ -1426,7 +1424,7 @@
           <a:p>
             <a:r>
               <a:rPr lang="en-US" dirty="0"/>
-              <a:t>Kwartler CSCI S-96</a:t>
+              <a:t>Kwartler </a:t>
             </a:r>
           </a:p>
         </p:txBody>
@@ -1786,7 +1784,7 @@
           <a:p>
             <a:fld id="{DAB365D0-5BFF-4591-B84D-8953AC9A16AD}" type="datetime1">
               <a:rPr lang="en-US" smtClean="0"/>
-              <a:t>11/7/22</a:t>
+              <a:t>11/6/23</a:t>
             </a:fld>
             <a:endParaRPr lang="en-US" dirty="0"/>
           </a:p>
@@ -2020,7 +2018,7 @@
           <a:p>
             <a:fld id="{D753EFC8-4232-4598-94F6-94C0EBAFC469}" type="datetime1">
               <a:rPr lang="en-US" smtClean="0"/>
-              <a:t>11/7/22</a:t>
+              <a:t>11/6/23</a:t>
             </a:fld>
             <a:endParaRPr lang="en-US"/>
           </a:p>
@@ -2130,7 +2128,7 @@
           <a:p>
             <a:r>
               <a:rPr lang="en-US" dirty="0"/>
-              <a:t>Kwartler CSCI S-96</a:t>
+              <a:t>Kwartler </a:t>
             </a:r>
           </a:p>
         </p:txBody>
@@ -2335,7 +2333,7 @@
           <a:p>
             <a:fld id="{F3161074-1C18-4AE7-957D-F18524378C85}" type="datetime1">
               <a:rPr lang="en-US" smtClean="0"/>
-              <a:t>11/7/22</a:t>
+              <a:t>11/6/23</a:t>
             </a:fld>
             <a:endParaRPr lang="en-US"/>
           </a:p>
@@ -2445,7 +2443,7 @@
           <a:p>
             <a:r>
               <a:rPr lang="en-US" dirty="0"/>
-              <a:t>Kwartler CSCI S-96</a:t>
+              <a:t>Kwartler </a:t>
             </a:r>
           </a:p>
         </p:txBody>
@@ -2609,7 +2607,7 @@
           <a:p>
             <a:fld id="{69BE256C-8D9A-4404-B47D-41A1AE514425}" type="datetime1">
               <a:rPr lang="en-US" smtClean="0"/>
-              <a:t>11/7/22</a:t>
+              <a:t>11/6/23</a:t>
             </a:fld>
             <a:endParaRPr lang="en-US"/>
           </a:p>
@@ -2749,7 +2747,7 @@
           <a:p>
             <a:r>
               <a:rPr lang="en-US" dirty="0"/>
-              <a:t>Kwartler CSCI S-96</a:t>
+              <a:t>Kwartler </a:t>
             </a:r>
           </a:p>
         </p:txBody>
@@ -3043,7 +3041,7 @@
           <a:p>
             <a:fld id="{66CB2154-9035-4012-8189-BAAB61C5A5EE}" type="datetime1">
               <a:rPr lang="en-US" smtClean="0"/>
-              <a:t>11/7/22</a:t>
+              <a:t>11/6/23</a:t>
             </a:fld>
             <a:endParaRPr lang="en-US"/>
           </a:p>
@@ -3065,8 +3063,8 @@
           <a:lstStyle/>
           <a:p>
             <a:r>
-              <a:rPr lang="en-US"/>
-              <a:t>Kwartler CSCI S-96</a:t>
+              <a:rPr lang="en-US" dirty="0"/>
+              <a:t>Kwartler </a:t>
             </a:r>
           </a:p>
         </p:txBody>
@@ -3217,7 +3215,7 @@
           <a:p>
             <a:fld id="{6700A58B-DD98-43D0-B791-721480A02982}" type="datetime1">
               <a:rPr lang="en-US" smtClean="0"/>
-              <a:t>11/7/22</a:t>
+              <a:t>11/6/23</a:t>
             </a:fld>
             <a:endParaRPr lang="en-US"/>
           </a:p>
@@ -3357,7 +3355,7 @@
           <a:p>
             <a:r>
               <a:rPr lang="en-US" dirty="0"/>
-              <a:t>Kwartler CSCI S-96</a:t>
+              <a:t>Kwartler </a:t>
             </a:r>
           </a:p>
         </p:txBody>
@@ -3409,7 +3407,7 @@
           <a:p>
             <a:fld id="{7DB6E382-4F61-4E24-BE1A-377EC83D0E3A}" type="datetime1">
               <a:rPr lang="en-US" smtClean="0"/>
-              <a:t>11/7/22</a:t>
+              <a:t>11/6/23</a:t>
             </a:fld>
             <a:endParaRPr lang="en-US"/>
           </a:p>
@@ -3519,7 +3517,7 @@
           <a:p>
             <a:r>
               <a:rPr lang="en-US" dirty="0"/>
-              <a:t>Kwartler CSCI S-96</a:t>
+              <a:t>Kwartler </a:t>
             </a:r>
           </a:p>
         </p:txBody>
@@ -3720,7 +3718,7 @@
           <a:p>
             <a:fld id="{4142EED6-FC16-45B9-B8C4-2BC5DBA88325}" type="datetime1">
               <a:rPr lang="en-US" smtClean="0"/>
-              <a:t>11/7/22</a:t>
+              <a:t>11/6/23</a:t>
             </a:fld>
             <a:endParaRPr lang="en-US"/>
           </a:p>
@@ -3860,7 +3858,7 @@
           <a:p>
             <a:r>
               <a:rPr lang="en-US" dirty="0"/>
-              <a:t>Kwartler CSCI S-96</a:t>
+              <a:t>Kwartler </a:t>
             </a:r>
           </a:p>
         </p:txBody>
@@ -4038,7 +4036,7 @@
           <a:p>
             <a:fld id="{DF59512B-4F1D-43D7-8819-2F53FEF69650}" type="datetime1">
               <a:rPr lang="en-US" smtClean="0"/>
-              <a:t>11/7/22</a:t>
+              <a:t>11/6/23</a:t>
             </a:fld>
             <a:endParaRPr lang="en-US"/>
           </a:p>
@@ -4178,7 +4176,7 @@
           <a:p>
             <a:r>
               <a:rPr lang="en-US" dirty="0"/>
-              <a:t>Kwartler CSCI S-96</a:t>
+              <a:t>Kwartler </a:t>
             </a:r>
           </a:p>
         </p:txBody>
@@ -4314,7 +4312,7 @@
           <a:p>
             <a:fld id="{08437B94-E2BF-44DC-ADC5-B05FC9934E9D}" type="datetime1">
               <a:rPr lang="en-US" smtClean="0"/>
-              <a:t>11/7/22</a:t>
+              <a:t>11/6/23</a:t>
             </a:fld>
             <a:endParaRPr lang="en-US"/>
           </a:p>
@@ -4355,7 +4353,7 @@
           <a:p>
             <a:r>
               <a:rPr lang="en-US" dirty="0"/>
-              <a:t>Kwartler CSCI S-96</a:t>
+              <a:t>Kwartler </a:t>
             </a:r>
           </a:p>
         </p:txBody>
@@ -4840,7 +4838,7 @@
           <a:p>
             <a:fld id="{5738B90E-0779-4C36-915C-6F05FCD89456}" type="datetime1">
               <a:rPr lang="en-US" smtClean="0"/>
-              <a:t>11/7/22</a:t>
+              <a:t>11/6/23</a:t>
             </a:fld>
             <a:endParaRPr lang="en-US"/>
           </a:p>
@@ -4898,7 +4896,7 @@
           <a:p>
             <a:r>
               <a:rPr lang="en-US" dirty="0"/>
-              <a:t>Kwartler CSCI 96</a:t>
+              <a:t>Kwartler </a:t>
             </a:r>
           </a:p>
         </p:txBody>
@@ -4952,7 +4950,7 @@
           <a:p>
             <a:r>
               <a:rPr lang="en-US" dirty="0"/>
-              <a:t>People Speculate as Supply Diminishes</a:t>
+              <a:t>New set characteristics</a:t>
             </a:r>
           </a:p>
         </p:txBody>
@@ -4974,51 +4972,111 @@
           <a:p>
             <a:fld id="{6700A58B-DD98-43D0-B791-721480A02982}" type="datetime1">
               <a:rPr lang="en-US" smtClean="0"/>
-              <a:t>11/7/22</a:t>
+              <a:t>11/6/23</a:t>
             </a:fld>
             <a:endParaRPr lang="en-US"/>
           </a:p>
         </p:txBody>
       </p:sp>
-      <p:pic>
-        <p:nvPicPr>
-          <p:cNvPr id="8" name="Picture 7"/>
-          <p:cNvPicPr>
-            <a:picLocks noChangeAspect="1"/>
-          </p:cNvPicPr>
+      <p:sp>
+        <p:nvSpPr>
+          <p:cNvPr id="7" name="TextBox 6"/>
+          <p:cNvSpPr txBox="1"/>
           <p:nvPr/>
-        </p:nvPicPr>
-        <p:blipFill>
-          <a:blip r:embed="rId3"/>
-          <a:stretch>
-            <a:fillRect/>
-          </a:stretch>
-        </p:blipFill>
-        <p:spPr>
-          <a:xfrm>
-            <a:off x="661991" y="1373886"/>
-            <a:ext cx="4999040" cy="3505074"/>
+        </p:nvSpPr>
+        <p:spPr>
+          <a:xfrm>
+            <a:off x="4714433" y="2394178"/>
+            <a:ext cx="3487034" cy="2862322"/>
           </a:xfrm>
           <a:prstGeom prst="rect">
             <a:avLst/>
           </a:prstGeom>
-          <a:ln>
-            <a:solidFill>
-              <a:schemeClr val="tx1"/>
-            </a:solidFill>
-          </a:ln>
-        </p:spPr>
-      </p:pic>
+          <a:noFill/>
+        </p:spPr>
+        <p:txBody>
+          <a:bodyPr wrap="square" rtlCol="0">
+            <a:spAutoFit/>
+          </a:bodyPr>
+          <a:lstStyle/>
+          <a:p>
+            <a:r>
+              <a:rPr lang="en-US" dirty="0"/>
+              <a:t>Usually a pack contains</a:t>
+            </a:r>
+          </a:p>
+          <a:p>
+            <a:pPr marL="214313" indent="-214313">
+              <a:buFont typeface="Arial" panose="020B0604020202020204" pitchFamily="34" charset="0"/>
+              <a:buChar char="•"/>
+            </a:pPr>
+            <a:r>
+              <a:rPr lang="en-US" dirty="0"/>
+              <a:t>11 Commons</a:t>
+            </a:r>
+          </a:p>
+          <a:p>
+            <a:pPr marL="214313" indent="-214313">
+              <a:buFont typeface="Arial" panose="020B0604020202020204" pitchFamily="34" charset="0"/>
+              <a:buChar char="•"/>
+            </a:pPr>
+            <a:r>
+              <a:rPr lang="en-US" dirty="0"/>
+              <a:t>3 </a:t>
+            </a:r>
+            <a:r>
+              <a:rPr lang="en-US" dirty="0" err="1"/>
+              <a:t>Uncommons</a:t>
+            </a:r>
+            <a:endParaRPr lang="en-US" dirty="0"/>
+          </a:p>
+          <a:p>
+            <a:pPr marL="214313" indent="-214313">
+              <a:buFont typeface="Arial" panose="020B0604020202020204" pitchFamily="34" charset="0"/>
+              <a:buChar char="•"/>
+            </a:pPr>
+            <a:r>
+              <a:rPr lang="en-US" dirty="0"/>
+              <a:t>1 Rare</a:t>
+            </a:r>
+          </a:p>
+          <a:p>
+            <a:pPr marL="557213" lvl="1" indent="-214313">
+              <a:buFont typeface="Arial" panose="020B0604020202020204" pitchFamily="34" charset="0"/>
+              <a:buChar char="•"/>
+            </a:pPr>
+            <a:r>
+              <a:rPr lang="en-US" dirty="0"/>
+              <a:t>1 in 8 packs will replace the rare with a mythic</a:t>
+            </a:r>
+          </a:p>
+          <a:p>
+            <a:pPr marL="214313" indent="-214313">
+              <a:buFont typeface="Arial" panose="020B0604020202020204" pitchFamily="34" charset="0"/>
+              <a:buChar char="•"/>
+            </a:pPr>
+            <a:r>
+              <a:rPr lang="en-US" dirty="0"/>
+              <a:t>1 in 6 packs will have a random premium foil card replacing a common, uncommon, rare </a:t>
+            </a:r>
+            <a:r>
+              <a:rPr lang="en-US"/>
+              <a:t>or mythic. </a:t>
+            </a:r>
+            <a:endParaRPr lang="en-US" dirty="0"/>
+          </a:p>
+        </p:txBody>
+      </p:sp>
       <p:pic>
         <p:nvPicPr>
-          <p:cNvPr id="1026" name="Picture 2" descr="Image result for speculation meme"/>
+          <p:cNvPr id="2050" name="Picture 2" descr="Magic the Gathering MtG Guilds of Ravnica Booster Box [Sealed]"/>
           <p:cNvPicPr>
             <a:picLocks noChangeAspect="1" noChangeArrowheads="1"/>
           </p:cNvPicPr>
           <p:nvPr/>
         </p:nvPicPr>
         <p:blipFill>
-          <a:blip r:embed="rId4">
+          <a:blip r:embed="rId2">
             <a:extLst>
               <a:ext uri="{28A0092B-C50C-407E-A947-70E740481C1C}">
                 <a14:useLocalDpi xmlns:a14="http://schemas.microsoft.com/office/drawing/2010/main" val="0"/>
@@ -5032,8 +5090,8 @@
         </p:blipFill>
         <p:spPr bwMode="auto">
           <a:xfrm>
-            <a:off x="3723484" y="2551020"/>
-            <a:ext cx="4396388" cy="3215398"/>
+            <a:off x="628651" y="2196820"/>
+            <a:ext cx="3530600" cy="2956952"/>
           </a:xfrm>
           <a:prstGeom prst="rect">
             <a:avLst/>
@@ -5052,10 +5110,10 @@
       </p:pic>
       <p:sp>
         <p:nvSpPr>
-          <p:cNvPr id="10" name="Footer Placeholder 5">
+          <p:cNvPr id="8" name="Footer Placeholder 5">
             <a:extLst>
               <a:ext uri="{FF2B5EF4-FFF2-40B4-BE49-F238E27FC236}">
-                <a16:creationId xmlns:a16="http://schemas.microsoft.com/office/drawing/2014/main" id="{31A48B11-F5DE-5340-A7D0-AAE280E41A62}"/>
+                <a16:creationId xmlns:a16="http://schemas.microsoft.com/office/drawing/2014/main" id="{F42C9B7B-FBE3-9242-A865-1AFB97E6A4F2}"/>
               </a:ext>
             </a:extLst>
           </p:cNvPr>
@@ -5078,7 +5136,7 @@
           <a:p>
             <a:r>
               <a:rPr lang="en-US" dirty="0"/>
-              <a:t>Kwartler CSCI 96</a:t>
+              <a:t>Kwartler </a:t>
             </a:r>
           </a:p>
         </p:txBody>
@@ -5086,7 +5144,7 @@
     </p:spTree>
     <p:extLst>
       <p:ext uri="{BB962C8B-B14F-4D97-AF65-F5344CB8AC3E}">
-        <p14:creationId xmlns:p14="http://schemas.microsoft.com/office/powerpoint/2010/main" val="3441808041"/>
+        <p14:creationId xmlns:p14="http://schemas.microsoft.com/office/powerpoint/2010/main" val="2716498759"/>
       </p:ext>
     </p:extLst>
   </p:cSld>
@@ -5115,30 +5173,6 @@
       </p:grpSpPr>
       <p:sp>
         <p:nvSpPr>
-          <p:cNvPr id="3" name="Title 2"/>
-          <p:cNvSpPr>
-            <a:spLocks noGrp="1"/>
-          </p:cNvSpPr>
-          <p:nvPr>
-            <p:ph type="title"/>
-          </p:nvPr>
-        </p:nvSpPr>
-        <p:spPr/>
-        <p:txBody>
-          <a:bodyPr>
-            <a:normAutofit/>
-          </a:bodyPr>
-          <a:lstStyle/>
-          <a:p>
-            <a:r>
-              <a:rPr lang="en-US" dirty="0"/>
-              <a:t>New set characteristics</a:t>
-            </a:r>
-          </a:p>
-        </p:txBody>
-      </p:sp>
-      <p:sp>
-        <p:nvSpPr>
           <p:cNvPr id="2" name="Date Placeholder 1"/>
           <p:cNvSpPr>
             <a:spLocks noGrp="1"/>
@@ -5154,223 +5188,7 @@
           <a:p>
             <a:fld id="{6700A58B-DD98-43D0-B791-721480A02982}" type="datetime1">
               <a:rPr lang="en-US" smtClean="0"/>
-              <a:t>11/7/22</a:t>
-            </a:fld>
-            <a:endParaRPr lang="en-US"/>
-          </a:p>
-        </p:txBody>
-      </p:sp>
-      <p:sp>
-        <p:nvSpPr>
-          <p:cNvPr id="7" name="TextBox 6"/>
-          <p:cNvSpPr txBox="1"/>
-          <p:nvPr/>
-        </p:nvSpPr>
-        <p:spPr>
-          <a:xfrm>
-            <a:off x="4714433" y="2394178"/>
-            <a:ext cx="3487034" cy="2862322"/>
-          </a:xfrm>
-          <a:prstGeom prst="rect">
-            <a:avLst/>
-          </a:prstGeom>
-          <a:noFill/>
-        </p:spPr>
-        <p:txBody>
-          <a:bodyPr wrap="square" rtlCol="0">
-            <a:spAutoFit/>
-          </a:bodyPr>
-          <a:lstStyle/>
-          <a:p>
-            <a:r>
-              <a:rPr lang="en-US" dirty="0"/>
-              <a:t>Usually a pack contains</a:t>
-            </a:r>
-          </a:p>
-          <a:p>
-            <a:pPr marL="214313" indent="-214313">
-              <a:buFont typeface="Arial" panose="020B0604020202020204" pitchFamily="34" charset="0"/>
-              <a:buChar char="•"/>
-            </a:pPr>
-            <a:r>
-              <a:rPr lang="en-US" dirty="0"/>
-              <a:t>11 Commons</a:t>
-            </a:r>
-          </a:p>
-          <a:p>
-            <a:pPr marL="214313" indent="-214313">
-              <a:buFont typeface="Arial" panose="020B0604020202020204" pitchFamily="34" charset="0"/>
-              <a:buChar char="•"/>
-            </a:pPr>
-            <a:r>
-              <a:rPr lang="en-US" dirty="0"/>
-              <a:t>3 </a:t>
-            </a:r>
-            <a:r>
-              <a:rPr lang="en-US" dirty="0" err="1"/>
-              <a:t>Uncommons</a:t>
-            </a:r>
-            <a:endParaRPr lang="en-US" dirty="0"/>
-          </a:p>
-          <a:p>
-            <a:pPr marL="214313" indent="-214313">
-              <a:buFont typeface="Arial" panose="020B0604020202020204" pitchFamily="34" charset="0"/>
-              <a:buChar char="•"/>
-            </a:pPr>
-            <a:r>
-              <a:rPr lang="en-US" dirty="0"/>
-              <a:t>1 Rare</a:t>
-            </a:r>
-          </a:p>
-          <a:p>
-            <a:pPr marL="557213" lvl="1" indent="-214313">
-              <a:buFont typeface="Arial" panose="020B0604020202020204" pitchFamily="34" charset="0"/>
-              <a:buChar char="•"/>
-            </a:pPr>
-            <a:r>
-              <a:rPr lang="en-US" dirty="0"/>
-              <a:t>1 in 8 packs will replace the rare with a mythic</a:t>
-            </a:r>
-          </a:p>
-          <a:p>
-            <a:pPr marL="214313" indent="-214313">
-              <a:buFont typeface="Arial" panose="020B0604020202020204" pitchFamily="34" charset="0"/>
-              <a:buChar char="•"/>
-            </a:pPr>
-            <a:r>
-              <a:rPr lang="en-US" dirty="0"/>
-              <a:t>1 in 6 packs will have a random premium foil card replacing a common, uncommon, rare </a:t>
-            </a:r>
-            <a:r>
-              <a:rPr lang="en-US"/>
-              <a:t>or mythic. </a:t>
-            </a:r>
-            <a:endParaRPr lang="en-US" dirty="0"/>
-          </a:p>
-        </p:txBody>
-      </p:sp>
-      <p:pic>
-        <p:nvPicPr>
-          <p:cNvPr id="2050" name="Picture 2" descr="Magic the Gathering MtG Guilds of Ravnica Booster Box [Sealed]"/>
-          <p:cNvPicPr>
-            <a:picLocks noChangeAspect="1" noChangeArrowheads="1"/>
-          </p:cNvPicPr>
-          <p:nvPr/>
-        </p:nvPicPr>
-        <p:blipFill>
-          <a:blip r:embed="rId2">
-            <a:extLst>
-              <a:ext uri="{28A0092B-C50C-407E-A947-70E740481C1C}">
-                <a14:useLocalDpi xmlns:a14="http://schemas.microsoft.com/office/drawing/2010/main" val="0"/>
-              </a:ext>
-            </a:extLst>
-          </a:blip>
-          <a:srcRect/>
-          <a:stretch>
-            <a:fillRect/>
-          </a:stretch>
-        </p:blipFill>
-        <p:spPr bwMode="auto">
-          <a:xfrm>
-            <a:off x="628651" y="2196820"/>
-            <a:ext cx="3530600" cy="2956952"/>
-          </a:xfrm>
-          <a:prstGeom prst="rect">
-            <a:avLst/>
-          </a:prstGeom>
-          <a:noFill/>
-          <a:extLst>
-            <a:ext uri="{909E8E84-426E-40DD-AFC4-6F175D3DCCD1}">
-              <a14:hiddenFill xmlns:a14="http://schemas.microsoft.com/office/drawing/2010/main">
-                <a:solidFill>
-                  <a:srgbClr val="FFFFFF"/>
-                </a:solidFill>
-              </a14:hiddenFill>
-            </a:ext>
-          </a:extLst>
-        </p:spPr>
-      </p:pic>
-      <p:sp>
-        <p:nvSpPr>
-          <p:cNvPr id="8" name="Footer Placeholder 5">
-            <a:extLst>
-              <a:ext uri="{FF2B5EF4-FFF2-40B4-BE49-F238E27FC236}">
-                <a16:creationId xmlns:a16="http://schemas.microsoft.com/office/drawing/2014/main" id="{F42C9B7B-FBE3-9242-A865-1AFB97E6A4F2}"/>
-              </a:ext>
-            </a:extLst>
-          </p:cNvPr>
-          <p:cNvSpPr>
-            <a:spLocks noGrp="1"/>
-          </p:cNvSpPr>
-          <p:nvPr>
-            <p:ph type="ftr" sz="quarter" idx="3"/>
-          </p:nvPr>
-        </p:nvSpPr>
-        <p:spPr>
-          <a:xfrm>
-            <a:off x="3028950" y="6356353"/>
-            <a:ext cx="3086100" cy="365125"/>
-          </a:xfrm>
-        </p:spPr>
-        <p:txBody>
-          <a:bodyPr/>
-          <a:lstStyle/>
-          <a:p>
-            <a:r>
-              <a:rPr lang="en-US" dirty="0"/>
-              <a:t>Kwartler CSCI 96</a:t>
-            </a:r>
-          </a:p>
-        </p:txBody>
-      </p:sp>
-    </p:spTree>
-    <p:extLst>
-      <p:ext uri="{BB962C8B-B14F-4D97-AF65-F5344CB8AC3E}">
-        <p14:creationId xmlns:p14="http://schemas.microsoft.com/office/powerpoint/2010/main" val="2716498759"/>
-      </p:ext>
-    </p:extLst>
-  </p:cSld>
-  <p:clrMapOvr>
-    <a:masterClrMapping/>
-  </p:clrMapOvr>
-</p:sld>
-</file>
-
-<file path=ppt/slides/slide12.xml><?xml version="1.0" encoding="utf-8"?>
-<p:sld xmlns:a="http://schemas.openxmlformats.org/drawingml/2006/main" xmlns:r="http://schemas.openxmlformats.org/officeDocument/2006/relationships" xmlns:p="http://schemas.openxmlformats.org/presentationml/2006/main">
-  <p:cSld>
-    <p:spTree>
-      <p:nvGrpSpPr>
-        <p:cNvPr id="1" name=""/>
-        <p:cNvGrpSpPr/>
-        <p:nvPr/>
-      </p:nvGrpSpPr>
-      <p:grpSpPr>
-        <a:xfrm>
-          <a:off x="0" y="0"/>
-          <a:ext cx="0" cy="0"/>
-          <a:chOff x="0" y="0"/>
-          <a:chExt cx="0" cy="0"/>
-        </a:xfrm>
-      </p:grpSpPr>
-      <p:sp>
-        <p:nvSpPr>
-          <p:cNvPr id="2" name="Date Placeholder 1"/>
-          <p:cNvSpPr>
-            <a:spLocks noGrp="1"/>
-          </p:cNvSpPr>
-          <p:nvPr>
-            <p:ph type="dt" sz="half" idx="10"/>
-          </p:nvPr>
-        </p:nvSpPr>
-        <p:spPr/>
-        <p:txBody>
-          <a:bodyPr/>
-          <a:lstStyle/>
-          <a:p>
-            <a:fld id="{6700A58B-DD98-43D0-B791-721480A02982}" type="datetime1">
-              <a:rPr lang="en-US" smtClean="0"/>
-              <a:t>11/7/22</a:t>
+              <a:t>11/6/23</a:t>
             </a:fld>
             <a:endParaRPr lang="en-US"/>
           </a:p>
@@ -5629,7 +5447,7 @@
           <a:p>
             <a:r>
               <a:rPr lang="en-US" dirty="0"/>
-              <a:t>Kwartler CSCI 96</a:t>
+              <a:t>Kwartler </a:t>
             </a:r>
           </a:p>
         </p:txBody>
@@ -5771,7 +5589,7 @@
 </p:sld>
 </file>
 
-<file path=ppt/slides/slide13.xml><?xml version="1.0" encoding="utf-8"?>
+<file path=ppt/slides/slide12.xml><?xml version="1.0" encoding="utf-8"?>
 <p:sld xmlns:a="http://schemas.openxmlformats.org/drawingml/2006/main" xmlns:r="http://schemas.openxmlformats.org/officeDocument/2006/relationships" xmlns:p="http://schemas.openxmlformats.org/presentationml/2006/main">
   <p:cSld>
     <p:spTree>
@@ -5790,366 +5608,6 @@
       </p:grpSpPr>
       <p:sp>
         <p:nvSpPr>
-          <p:cNvPr id="2" name="Title 1"/>
-          <p:cNvSpPr>
-            <a:spLocks noGrp="1"/>
-          </p:cNvSpPr>
-          <p:nvPr>
-            <p:ph type="title"/>
-          </p:nvPr>
-        </p:nvSpPr>
-        <p:spPr/>
-        <p:txBody>
-          <a:bodyPr>
-            <a:normAutofit/>
-          </a:bodyPr>
-          <a:lstStyle/>
-          <a:p>
-            <a:r>
-              <a:rPr lang="en-US" dirty="0"/>
-              <a:t>Agenda</a:t>
-            </a:r>
-          </a:p>
-        </p:txBody>
-      </p:sp>
-      <p:graphicFrame>
-        <p:nvGraphicFramePr>
-          <p:cNvPr id="4" name="Content Placeholder 3"/>
-          <p:cNvGraphicFramePr>
-            <a:graphicFrameLocks noGrp="1"/>
-          </p:cNvGraphicFramePr>
-          <p:nvPr>
-            <p:ph idx="1"/>
-          </p:nvPr>
-        </p:nvGraphicFramePr>
-        <p:xfrm>
-          <a:off x="2392812" y="1690688"/>
-          <a:ext cx="4358381" cy="2072640"/>
-        </p:xfrm>
-        <a:graphic>
-          <a:graphicData uri="http://schemas.openxmlformats.org/drawingml/2006/table">
-            <a:tbl>
-              <a:tblPr firstRow="1" bandRow="1">
-                <a:tableStyleId>{F5AB1C69-6EDB-4FF4-983F-18BD219EF322}</a:tableStyleId>
-              </a:tblPr>
-              <a:tblGrid>
-                <a:gridCol w="4358381">
-                  <a:extLst>
-                    <a:ext uri="{9D8B030D-6E8A-4147-A177-3AD203B41FA5}">
-                      <a16:colId xmlns:a16="http://schemas.microsoft.com/office/drawing/2014/main" val="20002"/>
-                    </a:ext>
-                  </a:extLst>
-                </a:gridCol>
-              </a:tblGrid>
-              <a:tr h="297180">
-                <a:tc>
-                  <a:txBody>
-                    <a:bodyPr/>
-                    <a:lstStyle/>
-                    <a:p>
-                      <a:r>
-                        <a:rPr lang="en-US" sz="1500" b="0" strike="noStrike" dirty="0">
-                          <a:solidFill>
-                            <a:schemeClr val="bg1"/>
-                          </a:solidFill>
-                        </a:rPr>
-                        <a:t>Topic VII</a:t>
-                      </a:r>
-                    </a:p>
-                  </a:txBody>
-                  <a:tcPr marL="68580" marR="68580" marT="34290" marB="34290"/>
-                </a:tc>
-                <a:extLst>
-                  <a:ext uri="{0D108BD9-81ED-4DB2-BD59-A6C34878D82A}">
-                    <a16:rowId xmlns:a16="http://schemas.microsoft.com/office/drawing/2014/main" val="10000"/>
-                  </a:ext>
-                </a:extLst>
-              </a:tr>
-              <a:tr h="1508760">
-                <a:tc>
-                  <a:txBody>
-                    <a:bodyPr/>
-                    <a:lstStyle/>
-                    <a:p>
-                      <a:pPr marL="0" marR="0" lvl="0" indent="0" algn="l" defTabSz="914400" rtl="0" eaLnBrk="1" fontAlgn="auto" latinLnBrk="0" hangingPunct="1">
-                        <a:lnSpc>
-                          <a:spcPct val="100000"/>
-                        </a:lnSpc>
-                        <a:spcBef>
-                          <a:spcPts val="0"/>
-                        </a:spcBef>
-                        <a:spcAft>
-                          <a:spcPts val="0"/>
-                        </a:spcAft>
-                        <a:buClrTx/>
-                        <a:buSzTx/>
-                        <a:buFontTx/>
-                        <a:buNone/>
-                        <a:tabLst/>
-                        <a:defRPr/>
-                      </a:pPr>
-                      <a:r>
-                        <a:rPr lang="en-US" sz="1400" b="1" i="0" kern="1200" dirty="0">
-                          <a:solidFill>
-                            <a:schemeClr val="dk1"/>
-                          </a:solidFill>
-                          <a:effectLst/>
-                          <a:latin typeface="+mn-lt"/>
-                          <a:ea typeface="+mn-ea"/>
-                          <a:cs typeface="+mn-cs"/>
-                        </a:rPr>
-                        <a:t>Simulating a Non-Traditional Mkt Opportunity</a:t>
-                      </a:r>
-                      <a:endParaRPr lang="en-US" sz="1400" b="1" i="0" kern="1200" baseline="0" dirty="0">
-                        <a:solidFill>
-                          <a:schemeClr val="dk1"/>
-                        </a:solidFill>
-                        <a:effectLst/>
-                        <a:latin typeface="+mn-lt"/>
-                        <a:ea typeface="+mn-ea"/>
-                        <a:cs typeface="+mn-cs"/>
-                      </a:endParaRPr>
-                    </a:p>
-                    <a:p>
-                      <a:pPr marL="285750" indent="-285750" fontAlgn="base">
-                        <a:buFont typeface="Arial" panose="020B0604020202020204" pitchFamily="34" charset="0"/>
-                        <a:buChar char="•"/>
-                      </a:pPr>
-                      <a:r>
-                        <a:rPr lang="en-US" sz="1400" b="0" i="0" kern="1200" dirty="0">
-                          <a:solidFill>
-                            <a:schemeClr val="dk1"/>
-                          </a:solidFill>
-                          <a:effectLst/>
-                          <a:latin typeface="+mn-lt"/>
-                          <a:ea typeface="+mn-ea"/>
-                          <a:cs typeface="+mn-cs"/>
-                        </a:rPr>
-                        <a:t>Review the trading card market as an investment vehicle</a:t>
-                      </a:r>
-                    </a:p>
-                    <a:p>
-                      <a:pPr marL="285750" marR="0" lvl="0" indent="-285750" algn="l" defTabSz="914400" rtl="0" eaLnBrk="1" fontAlgn="auto" latinLnBrk="0" hangingPunct="1">
-                        <a:lnSpc>
-                          <a:spcPct val="100000"/>
-                        </a:lnSpc>
-                        <a:spcBef>
-                          <a:spcPts val="0"/>
-                        </a:spcBef>
-                        <a:spcAft>
-                          <a:spcPts val="0"/>
-                        </a:spcAft>
-                        <a:buClrTx/>
-                        <a:buSzTx/>
-                        <a:buFont typeface="Arial" panose="020B0604020202020204" pitchFamily="34" charset="0"/>
-                        <a:buChar char="•"/>
-                        <a:tabLst/>
-                        <a:defRPr/>
-                      </a:pPr>
-                      <a:r>
-                        <a:rPr lang="en-US" sz="1400" b="0" i="0" kern="1200" dirty="0">
-                          <a:solidFill>
-                            <a:schemeClr val="dk1"/>
-                          </a:solidFill>
-                          <a:effectLst/>
-                          <a:latin typeface="+mn-lt"/>
-                          <a:ea typeface="+mn-ea"/>
-                          <a:cs typeface="+mn-cs"/>
-                        </a:rPr>
-                        <a:t>Structure problem for analysis</a:t>
-                      </a:r>
-                    </a:p>
-                    <a:p>
-                      <a:pPr marL="285750" marR="0" lvl="0" indent="-285750" algn="l" defTabSz="914400" rtl="0" eaLnBrk="1" fontAlgn="auto" latinLnBrk="0" hangingPunct="1">
-                        <a:lnSpc>
-                          <a:spcPct val="100000"/>
-                        </a:lnSpc>
-                        <a:spcBef>
-                          <a:spcPts val="0"/>
-                        </a:spcBef>
-                        <a:spcAft>
-                          <a:spcPts val="0"/>
-                        </a:spcAft>
-                        <a:buClrTx/>
-                        <a:buSzTx/>
-                        <a:buFont typeface="Arial" panose="020B0604020202020204" pitchFamily="34" charset="0"/>
-                        <a:buChar char="•"/>
-                        <a:tabLst/>
-                        <a:defRPr/>
-                      </a:pPr>
-                      <a:r>
-                        <a:rPr lang="en-US" sz="1400" b="1" i="0" kern="1200" baseline="0" dirty="0">
-                          <a:solidFill>
-                            <a:srgbClr val="C00000"/>
-                          </a:solidFill>
-                          <a:effectLst/>
-                          <a:latin typeface="+mn-lt"/>
-                          <a:ea typeface="+mn-ea"/>
-                          <a:cs typeface="+mn-cs"/>
-                        </a:rPr>
-                        <a:t>Sample with probability &amp; simulate mkt buying to quantify risk</a:t>
-                      </a:r>
-                    </a:p>
-                    <a:p>
-                      <a:pPr marL="285750" marR="0" lvl="0" indent="-285750" algn="l" defTabSz="914400" rtl="0" eaLnBrk="1" fontAlgn="auto" latinLnBrk="0" hangingPunct="1">
-                        <a:lnSpc>
-                          <a:spcPct val="100000"/>
-                        </a:lnSpc>
-                        <a:spcBef>
-                          <a:spcPts val="0"/>
-                        </a:spcBef>
-                        <a:spcAft>
-                          <a:spcPts val="0"/>
-                        </a:spcAft>
-                        <a:buClrTx/>
-                        <a:buSzTx/>
-                        <a:buFont typeface="Arial" panose="020B0604020202020204" pitchFamily="34" charset="0"/>
-                        <a:buChar char="•"/>
-                        <a:tabLst/>
-                        <a:defRPr/>
-                      </a:pPr>
-                      <a:r>
-                        <a:rPr lang="en-US" sz="1400" b="0" i="0" kern="1200" baseline="0" dirty="0">
-                          <a:solidFill>
-                            <a:schemeClr val="dk1"/>
-                          </a:solidFill>
-                          <a:effectLst/>
-                          <a:latin typeface="+mn-lt"/>
-                          <a:ea typeface="+mn-ea"/>
-                          <a:cs typeface="+mn-cs"/>
-                        </a:rPr>
-                        <a:t>Q &amp; A</a:t>
-                      </a:r>
-                    </a:p>
-                    <a:p>
-                      <a:pPr marL="285750" marR="0" lvl="0" indent="-285750" algn="l" defTabSz="914400" rtl="0" eaLnBrk="1" fontAlgn="auto" latinLnBrk="0" hangingPunct="1">
-                        <a:lnSpc>
-                          <a:spcPct val="100000"/>
-                        </a:lnSpc>
-                        <a:spcBef>
-                          <a:spcPts val="0"/>
-                        </a:spcBef>
-                        <a:spcAft>
-                          <a:spcPts val="0"/>
-                        </a:spcAft>
-                        <a:buClrTx/>
-                        <a:buSzTx/>
-                        <a:buFont typeface="Arial" panose="020B0604020202020204" pitchFamily="34" charset="0"/>
-                        <a:buChar char="•"/>
-                        <a:tabLst/>
-                        <a:defRPr/>
-                      </a:pPr>
-                      <a:endParaRPr lang="en-US" sz="1400" b="0" i="0" kern="1200" dirty="0">
-                        <a:solidFill>
-                          <a:schemeClr val="dk1"/>
-                        </a:solidFill>
-                        <a:effectLst/>
-                        <a:latin typeface="+mn-lt"/>
-                        <a:ea typeface="+mn-ea"/>
-                        <a:cs typeface="+mn-cs"/>
-                      </a:endParaRPr>
-                    </a:p>
-                  </a:txBody>
-                  <a:tcPr marL="68580" marR="68580" marT="34290" marB="34290"/>
-                </a:tc>
-                <a:extLst>
-                  <a:ext uri="{0D108BD9-81ED-4DB2-BD59-A6C34878D82A}">
-                    <a16:rowId xmlns:a16="http://schemas.microsoft.com/office/drawing/2014/main" val="10003"/>
-                  </a:ext>
-                </a:extLst>
-              </a:tr>
-            </a:tbl>
-          </a:graphicData>
-        </a:graphic>
-      </p:graphicFrame>
-      <p:sp>
-        <p:nvSpPr>
-          <p:cNvPr id="5" name="Date Placeholder 4"/>
-          <p:cNvSpPr>
-            <a:spLocks noGrp="1"/>
-          </p:cNvSpPr>
-          <p:nvPr>
-            <p:ph type="dt" sz="half" idx="10"/>
-          </p:nvPr>
-        </p:nvSpPr>
-        <p:spPr/>
-        <p:txBody>
-          <a:bodyPr/>
-          <a:lstStyle/>
-          <a:p>
-            <a:fld id="{9B19E99B-5349-415A-8E56-8E989211A366}" type="datetime1">
-              <a:rPr lang="en-US" smtClean="0"/>
-              <a:t>11/7/22</a:t>
-            </a:fld>
-            <a:endParaRPr lang="en-US"/>
-          </a:p>
-        </p:txBody>
-      </p:sp>
-      <p:sp>
-        <p:nvSpPr>
-          <p:cNvPr id="9" name="Footer Placeholder 5">
-            <a:extLst>
-              <a:ext uri="{FF2B5EF4-FFF2-40B4-BE49-F238E27FC236}">
-                <a16:creationId xmlns:a16="http://schemas.microsoft.com/office/drawing/2014/main" id="{CD510DA2-28F8-8746-9B5D-9DBEC91AE0A1}"/>
-              </a:ext>
-            </a:extLst>
-          </p:cNvPr>
-          <p:cNvSpPr>
-            <a:spLocks noGrp="1"/>
-          </p:cNvSpPr>
-          <p:nvPr>
-            <p:ph type="ftr" sz="quarter" idx="3"/>
-          </p:nvPr>
-        </p:nvSpPr>
-        <p:spPr>
-          <a:xfrm>
-            <a:off x="3028950" y="6356353"/>
-            <a:ext cx="3086100" cy="365125"/>
-          </a:xfrm>
-        </p:spPr>
-        <p:txBody>
-          <a:bodyPr/>
-          <a:lstStyle/>
-          <a:p>
-            <a:r>
-              <a:rPr lang="en-US" dirty="0"/>
-              <a:t>Kwartler CSCI 96</a:t>
-            </a:r>
-          </a:p>
-        </p:txBody>
-      </p:sp>
-    </p:spTree>
-    <p:extLst>
-      <p:ext uri="{BB962C8B-B14F-4D97-AF65-F5344CB8AC3E}">
-        <p14:creationId xmlns:p14="http://schemas.microsoft.com/office/powerpoint/2010/main" val="98789812"/>
-      </p:ext>
-    </p:extLst>
-  </p:cSld>
-  <p:clrMapOvr>
-    <a:masterClrMapping/>
-  </p:clrMapOvr>
-</p:sld>
-</file>
-
-<file path=ppt/slides/slide14.xml><?xml version="1.0" encoding="utf-8"?>
-<p:sld xmlns:a="http://schemas.openxmlformats.org/drawingml/2006/main" xmlns:r="http://schemas.openxmlformats.org/officeDocument/2006/relationships" xmlns:p="http://schemas.openxmlformats.org/presentationml/2006/main">
-  <p:cSld>
-    <p:spTree>
-      <p:nvGrpSpPr>
-        <p:cNvPr id="1" name=""/>
-        <p:cNvGrpSpPr/>
-        <p:nvPr/>
-      </p:nvGrpSpPr>
-      <p:grpSpPr>
-        <a:xfrm>
-          <a:off x="0" y="0"/>
-          <a:ext cx="0" cy="0"/>
-          <a:chOff x="0" y="0"/>
-          <a:chExt cx="0" cy="0"/>
-        </a:xfrm>
-      </p:grpSpPr>
-      <p:sp>
-        <p:nvSpPr>
           <p:cNvPr id="2" name="Title 1">
             <a:extLst>
               <a:ext uri="{FF2B5EF4-FFF2-40B4-BE49-F238E27FC236}">
@@ -6232,7 +5690,7 @@
           <a:p>
             <a:fld id="{D753EFC8-4232-4598-94F6-94C0EBAFC469}" type="datetime1">
               <a:rPr lang="en-US" smtClean="0"/>
-              <a:t>11/7/22</a:t>
+              <a:t>11/6/23</a:t>
             </a:fld>
             <a:endParaRPr lang="en-US"/>
           </a:p>
@@ -6261,7 +5719,7 @@
           <a:p>
             <a:fld id="{37290FF7-652B-4475-AEAB-8B1A5D23AE09}" type="slidenum">
               <a:rPr lang="en-US" smtClean="0"/>
-              <a:t>14</a:t>
+              <a:t>12</a:t>
             </a:fld>
             <a:endParaRPr lang="en-US"/>
           </a:p>
@@ -6289,10 +5747,9 @@
           <a:lstStyle/>
           <a:p>
             <a:r>
-              <a:rPr lang="en-US"/>
-              <a:t>Kwartler CSCI S-96</a:t>
-            </a:r>
-            <a:endParaRPr lang="en-US" dirty="0"/>
+              <a:rPr lang="en-US" dirty="0"/>
+              <a:t>Kwartler </a:t>
+            </a:r>
           </a:p>
         </p:txBody>
       </p:sp>
@@ -6678,7 +6135,7 @@
             </a:r>
             <a:r>
               <a:rPr lang="en-US" dirty="0" err="1"/>
-              <a:t>A_sample_w_probs.R</a:t>
+              <a:t>H_sample_w_probs.R</a:t>
             </a:r>
             <a:endParaRPr lang="en-US" dirty="0"/>
           </a:p>
@@ -6697,7 +6154,7 @@
 </p:sld>
 </file>
 
-<file path=ppt/slides/slide15.xml><?xml version="1.0" encoding="utf-8"?>
+<file path=ppt/slides/slide13.xml><?xml version="1.0" encoding="utf-8"?>
 <p:sld xmlns:a="http://schemas.openxmlformats.org/drawingml/2006/main" xmlns:r="http://schemas.openxmlformats.org/officeDocument/2006/relationships" xmlns:p="http://schemas.openxmlformats.org/presentationml/2006/main">
   <p:cSld>
     <p:spTree>
@@ -6737,7 +6194,7 @@
             </a:r>
             <a:r>
               <a:rPr lang="en-US" dirty="0" err="1"/>
-              <a:t>B_NonTraditionalMkts.R</a:t>
+              <a:t>I_NonTraditionalMkts.R</a:t>
             </a:r>
             <a:endParaRPr lang="en-US" dirty="0"/>
           </a:p>
@@ -6760,7 +6217,7 @@
           <a:p>
             <a:fld id="{6700A58B-DD98-43D0-B791-721480A02982}" type="datetime1">
               <a:rPr lang="en-US" smtClean="0"/>
-              <a:t>11/7/22</a:t>
+              <a:t>11/6/23</a:t>
             </a:fld>
             <a:endParaRPr lang="en-US"/>
           </a:p>
@@ -6824,7 +6281,7 @@
           <a:p>
             <a:r>
               <a:rPr lang="en-US" dirty="0"/>
-              <a:t>Kwartler CSCI 96</a:t>
+              <a:t>Kwartler </a:t>
             </a:r>
           </a:p>
         </p:txBody>
@@ -6908,7 +6365,7 @@
       </p:grpSpPr>
       <p:sp>
         <p:nvSpPr>
-          <p:cNvPr id="2" name="Title 1"/>
+          <p:cNvPr id="3" name="Title 2"/>
           <p:cNvSpPr>
             <a:spLocks noGrp="1"/>
           </p:cNvSpPr>
@@ -6925,366 +6382,6 @@
           <a:p>
             <a:r>
               <a:rPr lang="en-US" dirty="0"/>
-              <a:t>Agenda</a:t>
-            </a:r>
-          </a:p>
-        </p:txBody>
-      </p:sp>
-      <p:graphicFrame>
-        <p:nvGraphicFramePr>
-          <p:cNvPr id="4" name="Content Placeholder 3"/>
-          <p:cNvGraphicFramePr>
-            <a:graphicFrameLocks noGrp="1"/>
-          </p:cNvGraphicFramePr>
-          <p:nvPr>
-            <p:ph idx="1"/>
-          </p:nvPr>
-        </p:nvGraphicFramePr>
-        <p:xfrm>
-          <a:off x="2392812" y="1690688"/>
-          <a:ext cx="4358381" cy="2072640"/>
-        </p:xfrm>
-        <a:graphic>
-          <a:graphicData uri="http://schemas.openxmlformats.org/drawingml/2006/table">
-            <a:tbl>
-              <a:tblPr firstRow="1" bandRow="1">
-                <a:tableStyleId>{F5AB1C69-6EDB-4FF4-983F-18BD219EF322}</a:tableStyleId>
-              </a:tblPr>
-              <a:tblGrid>
-                <a:gridCol w="4358381">
-                  <a:extLst>
-                    <a:ext uri="{9D8B030D-6E8A-4147-A177-3AD203B41FA5}">
-                      <a16:colId xmlns:a16="http://schemas.microsoft.com/office/drawing/2014/main" val="20002"/>
-                    </a:ext>
-                  </a:extLst>
-                </a:gridCol>
-              </a:tblGrid>
-              <a:tr h="297180">
-                <a:tc>
-                  <a:txBody>
-                    <a:bodyPr/>
-                    <a:lstStyle/>
-                    <a:p>
-                      <a:r>
-                        <a:rPr lang="en-US" sz="1500" b="0" strike="noStrike" dirty="0">
-                          <a:solidFill>
-                            <a:schemeClr val="bg1"/>
-                          </a:solidFill>
-                        </a:rPr>
-                        <a:t>Topic VII</a:t>
-                      </a:r>
-                    </a:p>
-                  </a:txBody>
-                  <a:tcPr marL="68580" marR="68580" marT="34290" marB="34290"/>
-                </a:tc>
-                <a:extLst>
-                  <a:ext uri="{0D108BD9-81ED-4DB2-BD59-A6C34878D82A}">
-                    <a16:rowId xmlns:a16="http://schemas.microsoft.com/office/drawing/2014/main" val="10000"/>
-                  </a:ext>
-                </a:extLst>
-              </a:tr>
-              <a:tr h="1508760">
-                <a:tc>
-                  <a:txBody>
-                    <a:bodyPr/>
-                    <a:lstStyle/>
-                    <a:p>
-                      <a:pPr marL="0" marR="0" lvl="0" indent="0" algn="l" defTabSz="914400" rtl="0" eaLnBrk="1" fontAlgn="auto" latinLnBrk="0" hangingPunct="1">
-                        <a:lnSpc>
-                          <a:spcPct val="100000"/>
-                        </a:lnSpc>
-                        <a:spcBef>
-                          <a:spcPts val="0"/>
-                        </a:spcBef>
-                        <a:spcAft>
-                          <a:spcPts val="0"/>
-                        </a:spcAft>
-                        <a:buClrTx/>
-                        <a:buSzTx/>
-                        <a:buFontTx/>
-                        <a:buNone/>
-                        <a:tabLst/>
-                        <a:defRPr/>
-                      </a:pPr>
-                      <a:r>
-                        <a:rPr lang="en-US" sz="1400" b="1" i="0" kern="1200" dirty="0">
-                          <a:solidFill>
-                            <a:schemeClr val="dk1"/>
-                          </a:solidFill>
-                          <a:effectLst/>
-                          <a:latin typeface="+mn-lt"/>
-                          <a:ea typeface="+mn-ea"/>
-                          <a:cs typeface="+mn-cs"/>
-                        </a:rPr>
-                        <a:t>Simulating a Non-Traditional Mkt Opportunity</a:t>
-                      </a:r>
-                      <a:endParaRPr lang="en-US" sz="1400" b="1" i="0" kern="1200" baseline="0" dirty="0">
-                        <a:solidFill>
-                          <a:schemeClr val="dk1"/>
-                        </a:solidFill>
-                        <a:effectLst/>
-                        <a:latin typeface="+mn-lt"/>
-                        <a:ea typeface="+mn-ea"/>
-                        <a:cs typeface="+mn-cs"/>
-                      </a:endParaRPr>
-                    </a:p>
-                    <a:p>
-                      <a:pPr marL="285750" indent="-285750" fontAlgn="base">
-                        <a:buFont typeface="Arial" panose="020B0604020202020204" pitchFamily="34" charset="0"/>
-                        <a:buChar char="•"/>
-                      </a:pPr>
-                      <a:r>
-                        <a:rPr lang="en-US" sz="1400" b="0" i="0" kern="1200" dirty="0">
-                          <a:solidFill>
-                            <a:schemeClr val="dk1"/>
-                          </a:solidFill>
-                          <a:effectLst/>
-                          <a:latin typeface="+mn-lt"/>
-                          <a:ea typeface="+mn-ea"/>
-                          <a:cs typeface="+mn-cs"/>
-                        </a:rPr>
-                        <a:t>Review the trading card market as an investment vehicle</a:t>
-                      </a:r>
-                    </a:p>
-                    <a:p>
-                      <a:pPr marL="285750" marR="0" lvl="0" indent="-285750" algn="l" defTabSz="914400" rtl="0" eaLnBrk="1" fontAlgn="auto" latinLnBrk="0" hangingPunct="1">
-                        <a:lnSpc>
-                          <a:spcPct val="100000"/>
-                        </a:lnSpc>
-                        <a:spcBef>
-                          <a:spcPts val="0"/>
-                        </a:spcBef>
-                        <a:spcAft>
-                          <a:spcPts val="0"/>
-                        </a:spcAft>
-                        <a:buClrTx/>
-                        <a:buSzTx/>
-                        <a:buFont typeface="Arial" panose="020B0604020202020204" pitchFamily="34" charset="0"/>
-                        <a:buChar char="•"/>
-                        <a:tabLst/>
-                        <a:defRPr/>
-                      </a:pPr>
-                      <a:r>
-                        <a:rPr lang="en-US" sz="1400" b="0" i="0" kern="1200" dirty="0">
-                          <a:solidFill>
-                            <a:schemeClr val="dk1"/>
-                          </a:solidFill>
-                          <a:effectLst/>
-                          <a:latin typeface="+mn-lt"/>
-                          <a:ea typeface="+mn-ea"/>
-                          <a:cs typeface="+mn-cs"/>
-                        </a:rPr>
-                        <a:t>Structure problem for analysis</a:t>
-                      </a:r>
-                    </a:p>
-                    <a:p>
-                      <a:pPr marL="285750" marR="0" lvl="0" indent="-285750" algn="l" defTabSz="914400" rtl="0" eaLnBrk="1" fontAlgn="auto" latinLnBrk="0" hangingPunct="1">
-                        <a:lnSpc>
-                          <a:spcPct val="100000"/>
-                        </a:lnSpc>
-                        <a:spcBef>
-                          <a:spcPts val="0"/>
-                        </a:spcBef>
-                        <a:spcAft>
-                          <a:spcPts val="0"/>
-                        </a:spcAft>
-                        <a:buClrTx/>
-                        <a:buSzTx/>
-                        <a:buFont typeface="Arial" panose="020B0604020202020204" pitchFamily="34" charset="0"/>
-                        <a:buChar char="•"/>
-                        <a:tabLst/>
-                        <a:defRPr/>
-                      </a:pPr>
-                      <a:r>
-                        <a:rPr lang="en-US" sz="1400" b="0" i="0" kern="1200" baseline="0" dirty="0">
-                          <a:solidFill>
-                            <a:schemeClr val="dk1"/>
-                          </a:solidFill>
-                          <a:effectLst/>
-                          <a:latin typeface="+mn-lt"/>
-                          <a:ea typeface="+mn-ea"/>
-                          <a:cs typeface="+mn-cs"/>
-                        </a:rPr>
-                        <a:t>Sample with probability &amp; simulate mkt buying to quantify risk</a:t>
-                      </a:r>
-                    </a:p>
-                    <a:p>
-                      <a:pPr marL="285750" marR="0" lvl="0" indent="-285750" algn="l" defTabSz="914400" rtl="0" eaLnBrk="1" fontAlgn="auto" latinLnBrk="0" hangingPunct="1">
-                        <a:lnSpc>
-                          <a:spcPct val="100000"/>
-                        </a:lnSpc>
-                        <a:spcBef>
-                          <a:spcPts val="0"/>
-                        </a:spcBef>
-                        <a:spcAft>
-                          <a:spcPts val="0"/>
-                        </a:spcAft>
-                        <a:buClrTx/>
-                        <a:buSzTx/>
-                        <a:buFont typeface="Arial" panose="020B0604020202020204" pitchFamily="34" charset="0"/>
-                        <a:buChar char="•"/>
-                        <a:tabLst/>
-                        <a:defRPr/>
-                      </a:pPr>
-                      <a:r>
-                        <a:rPr lang="en-US" sz="1400" b="0" i="0" kern="1200" baseline="0" dirty="0">
-                          <a:solidFill>
-                            <a:schemeClr val="dk1"/>
-                          </a:solidFill>
-                          <a:effectLst/>
-                          <a:latin typeface="+mn-lt"/>
-                          <a:ea typeface="+mn-ea"/>
-                          <a:cs typeface="+mn-cs"/>
-                        </a:rPr>
-                        <a:t>Q &amp; A</a:t>
-                      </a:r>
-                    </a:p>
-                    <a:p>
-                      <a:pPr marL="285750" marR="0" lvl="0" indent="-285750" algn="l" defTabSz="914400" rtl="0" eaLnBrk="1" fontAlgn="auto" latinLnBrk="0" hangingPunct="1">
-                        <a:lnSpc>
-                          <a:spcPct val="100000"/>
-                        </a:lnSpc>
-                        <a:spcBef>
-                          <a:spcPts val="0"/>
-                        </a:spcBef>
-                        <a:spcAft>
-                          <a:spcPts val="0"/>
-                        </a:spcAft>
-                        <a:buClrTx/>
-                        <a:buSzTx/>
-                        <a:buFont typeface="Arial" panose="020B0604020202020204" pitchFamily="34" charset="0"/>
-                        <a:buChar char="•"/>
-                        <a:tabLst/>
-                        <a:defRPr/>
-                      </a:pPr>
-                      <a:endParaRPr lang="en-US" sz="1400" b="0" i="0" kern="1200" dirty="0">
-                        <a:solidFill>
-                          <a:schemeClr val="dk1"/>
-                        </a:solidFill>
-                        <a:effectLst/>
-                        <a:latin typeface="+mn-lt"/>
-                        <a:ea typeface="+mn-ea"/>
-                        <a:cs typeface="+mn-cs"/>
-                      </a:endParaRPr>
-                    </a:p>
-                  </a:txBody>
-                  <a:tcPr marL="68580" marR="68580" marT="34290" marB="34290"/>
-                </a:tc>
-                <a:extLst>
-                  <a:ext uri="{0D108BD9-81ED-4DB2-BD59-A6C34878D82A}">
-                    <a16:rowId xmlns:a16="http://schemas.microsoft.com/office/drawing/2014/main" val="10003"/>
-                  </a:ext>
-                </a:extLst>
-              </a:tr>
-            </a:tbl>
-          </a:graphicData>
-        </a:graphic>
-      </p:graphicFrame>
-      <p:sp>
-        <p:nvSpPr>
-          <p:cNvPr id="5" name="Date Placeholder 4"/>
-          <p:cNvSpPr>
-            <a:spLocks noGrp="1"/>
-          </p:cNvSpPr>
-          <p:nvPr>
-            <p:ph type="dt" sz="half" idx="10"/>
-          </p:nvPr>
-        </p:nvSpPr>
-        <p:spPr/>
-        <p:txBody>
-          <a:bodyPr/>
-          <a:lstStyle/>
-          <a:p>
-            <a:fld id="{9B19E99B-5349-415A-8E56-8E989211A366}" type="datetime1">
-              <a:rPr lang="en-US" smtClean="0"/>
-              <a:t>11/7/22</a:t>
-            </a:fld>
-            <a:endParaRPr lang="en-US"/>
-          </a:p>
-        </p:txBody>
-      </p:sp>
-      <p:sp>
-        <p:nvSpPr>
-          <p:cNvPr id="7" name="Footer Placeholder 5">
-            <a:extLst>
-              <a:ext uri="{FF2B5EF4-FFF2-40B4-BE49-F238E27FC236}">
-                <a16:creationId xmlns:a16="http://schemas.microsoft.com/office/drawing/2014/main" id="{A874657B-4975-3446-961B-CA6EB23B136A}"/>
-              </a:ext>
-            </a:extLst>
-          </p:cNvPr>
-          <p:cNvSpPr>
-            <a:spLocks noGrp="1"/>
-          </p:cNvSpPr>
-          <p:nvPr>
-            <p:ph type="ftr" sz="quarter" idx="3"/>
-          </p:nvPr>
-        </p:nvSpPr>
-        <p:spPr>
-          <a:xfrm>
-            <a:off x="3028950" y="6356353"/>
-            <a:ext cx="3086100" cy="365125"/>
-          </a:xfrm>
-        </p:spPr>
-        <p:txBody>
-          <a:bodyPr/>
-          <a:lstStyle/>
-          <a:p>
-            <a:r>
-              <a:rPr lang="en-US" dirty="0"/>
-              <a:t>Kwartler CSCI 96</a:t>
-            </a:r>
-          </a:p>
-        </p:txBody>
-      </p:sp>
-    </p:spTree>
-    <p:extLst>
-      <p:ext uri="{BB962C8B-B14F-4D97-AF65-F5344CB8AC3E}">
-        <p14:creationId xmlns:p14="http://schemas.microsoft.com/office/powerpoint/2010/main" val="4209717603"/>
-      </p:ext>
-    </p:extLst>
-  </p:cSld>
-  <p:clrMapOvr>
-    <a:masterClrMapping/>
-  </p:clrMapOvr>
-</p:sld>
-</file>
-
-<file path=ppt/slides/slide3.xml><?xml version="1.0" encoding="utf-8"?>
-<p:sld xmlns:a="http://schemas.openxmlformats.org/drawingml/2006/main" xmlns:r="http://schemas.openxmlformats.org/officeDocument/2006/relationships" xmlns:p="http://schemas.openxmlformats.org/presentationml/2006/main">
-  <p:cSld>
-    <p:spTree>
-      <p:nvGrpSpPr>
-        <p:cNvPr id="1" name=""/>
-        <p:cNvGrpSpPr/>
-        <p:nvPr/>
-      </p:nvGrpSpPr>
-      <p:grpSpPr>
-        <a:xfrm>
-          <a:off x="0" y="0"/>
-          <a:ext cx="0" cy="0"/>
-          <a:chOff x="0" y="0"/>
-          <a:chExt cx="0" cy="0"/>
-        </a:xfrm>
-      </p:grpSpPr>
-      <p:sp>
-        <p:nvSpPr>
-          <p:cNvPr id="3" name="Title 2"/>
-          <p:cNvSpPr>
-            <a:spLocks noGrp="1"/>
-          </p:cNvSpPr>
-          <p:nvPr>
-            <p:ph type="title"/>
-          </p:nvPr>
-        </p:nvSpPr>
-        <p:spPr/>
-        <p:txBody>
-          <a:bodyPr>
-            <a:normAutofit/>
-          </a:bodyPr>
-          <a:lstStyle/>
-          <a:p>
-            <a:r>
-              <a:rPr lang="en-US" dirty="0"/>
               <a:t>Non-Traditional Markets</a:t>
             </a:r>
           </a:p>
@@ -7307,7 +6404,7 @@
           <a:p>
             <a:fld id="{6700A58B-DD98-43D0-B791-721480A02982}" type="datetime1">
               <a:rPr lang="en-US" smtClean="0"/>
-              <a:t>11/7/22</a:t>
+              <a:t>11/6/23</a:t>
             </a:fld>
             <a:endParaRPr lang="en-US"/>
           </a:p>
@@ -7717,7 +6814,7 @@
           <a:p>
             <a:r>
               <a:rPr lang="en-US" dirty="0"/>
-              <a:t>Kwartler CSCI 96</a:t>
+              <a:t>Kwartler </a:t>
             </a:r>
           </a:p>
         </p:txBody>
@@ -7726,6 +6823,161 @@
     <p:extLst>
       <p:ext uri="{BB962C8B-B14F-4D97-AF65-F5344CB8AC3E}">
         <p14:creationId xmlns:p14="http://schemas.microsoft.com/office/powerpoint/2010/main" val="2361982956"/>
+      </p:ext>
+    </p:extLst>
+  </p:cSld>
+  <p:clrMapOvr>
+    <a:masterClrMapping/>
+  </p:clrMapOvr>
+</p:sld>
+</file>
+
+<file path=ppt/slides/slide3.xml><?xml version="1.0" encoding="utf-8"?>
+<p:sld xmlns:a="http://schemas.openxmlformats.org/drawingml/2006/main" xmlns:r="http://schemas.openxmlformats.org/officeDocument/2006/relationships" xmlns:p="http://schemas.openxmlformats.org/presentationml/2006/main">
+  <p:cSld>
+    <p:spTree>
+      <p:nvGrpSpPr>
+        <p:cNvPr id="1" name=""/>
+        <p:cNvGrpSpPr/>
+        <p:nvPr/>
+      </p:nvGrpSpPr>
+      <p:grpSpPr>
+        <a:xfrm>
+          <a:off x="0" y="0"/>
+          <a:ext cx="0" cy="0"/>
+          <a:chOff x="0" y="0"/>
+          <a:chExt cx="0" cy="0"/>
+        </a:xfrm>
+      </p:grpSpPr>
+      <p:sp>
+        <p:nvSpPr>
+          <p:cNvPr id="3" name="Title 2"/>
+          <p:cNvSpPr>
+            <a:spLocks noGrp="1"/>
+          </p:cNvSpPr>
+          <p:nvPr>
+            <p:ph type="title"/>
+          </p:nvPr>
+        </p:nvSpPr>
+        <p:spPr/>
+        <p:txBody>
+          <a:bodyPr>
+            <a:normAutofit/>
+          </a:bodyPr>
+          <a:lstStyle/>
+          <a:p>
+            <a:r>
+              <a:rPr lang="en-US" dirty="0"/>
+              <a:t>A Non-Traditional Mkt…</a:t>
+            </a:r>
+          </a:p>
+        </p:txBody>
+      </p:sp>
+      <p:sp>
+        <p:nvSpPr>
+          <p:cNvPr id="2" name="Date Placeholder 1"/>
+          <p:cNvSpPr>
+            <a:spLocks noGrp="1"/>
+          </p:cNvSpPr>
+          <p:nvPr>
+            <p:ph type="dt" sz="half" idx="10"/>
+          </p:nvPr>
+        </p:nvSpPr>
+        <p:spPr/>
+        <p:txBody>
+          <a:bodyPr/>
+          <a:lstStyle/>
+          <a:p>
+            <a:fld id="{6700A58B-DD98-43D0-B791-721480A02982}" type="datetime1">
+              <a:rPr lang="en-US" smtClean="0"/>
+              <a:t>11/6/23</a:t>
+            </a:fld>
+            <a:endParaRPr lang="en-US"/>
+          </a:p>
+        </p:txBody>
+      </p:sp>
+      <p:pic>
+        <p:nvPicPr>
+          <p:cNvPr id="15362" name="Picture 2" descr="Image result for beanie babies meme">
+            <a:extLst>
+              <a:ext uri="{FF2B5EF4-FFF2-40B4-BE49-F238E27FC236}">
+                <a16:creationId xmlns:a16="http://schemas.microsoft.com/office/drawing/2014/main" id="{28E19B7F-A106-4E0B-B9C0-F2FC4C18C8DD}"/>
+              </a:ext>
+            </a:extLst>
+          </p:cNvPr>
+          <p:cNvPicPr>
+            <a:picLocks noChangeAspect="1" noChangeArrowheads="1"/>
+          </p:cNvPicPr>
+          <p:nvPr/>
+        </p:nvPicPr>
+        <p:blipFill rotWithShape="1">
+          <a:blip r:embed="rId2">
+            <a:extLst>
+              <a:ext uri="{28A0092B-C50C-407E-A947-70E740481C1C}">
+                <a14:useLocalDpi xmlns:a14="http://schemas.microsoft.com/office/drawing/2010/main" val="0"/>
+              </a:ext>
+            </a:extLst>
+          </a:blip>
+          <a:srcRect t="22133" b="13207"/>
+          <a:stretch/>
+        </p:blipFill>
+        <p:spPr bwMode="auto">
+          <a:xfrm>
+            <a:off x="1430373" y="1109157"/>
+            <a:ext cx="6283255" cy="4639687"/>
+          </a:xfrm>
+          <a:prstGeom prst="rect">
+            <a:avLst/>
+          </a:prstGeom>
+          <a:noFill/>
+          <a:extLst>
+            <a:ext uri="{909E8E84-426E-40DD-AFC4-6F175D3DCCD1}">
+              <a14:hiddenFill xmlns:a14="http://schemas.microsoft.com/office/drawing/2010/main">
+                <a:solidFill>
+                  <a:srgbClr val="FFFFFF"/>
+                </a:solidFill>
+              </a14:hiddenFill>
+            </a:ext>
+          </a:extLst>
+        </p:spPr>
+      </p:pic>
+      <p:sp>
+        <p:nvSpPr>
+          <p:cNvPr id="7" name="Footer Placeholder 5">
+            <a:extLst>
+              <a:ext uri="{FF2B5EF4-FFF2-40B4-BE49-F238E27FC236}">
+                <a16:creationId xmlns:a16="http://schemas.microsoft.com/office/drawing/2014/main" id="{ED3ACA71-DF34-DD4B-B642-C111AF1DCE7F}"/>
+              </a:ext>
+            </a:extLst>
+          </p:cNvPr>
+          <p:cNvSpPr>
+            <a:spLocks noGrp="1"/>
+          </p:cNvSpPr>
+          <p:nvPr>
+            <p:ph type="ftr" sz="quarter" idx="3"/>
+          </p:nvPr>
+        </p:nvSpPr>
+        <p:spPr>
+          <a:xfrm>
+            <a:off x="3028950" y="6356353"/>
+            <a:ext cx="3086100" cy="365125"/>
+          </a:xfrm>
+        </p:spPr>
+        <p:txBody>
+          <a:bodyPr/>
+          <a:lstStyle/>
+          <a:p>
+            <a:r>
+              <a:rPr lang="en-US" dirty="0"/>
+              <a:t>Kwartler </a:t>
+            </a:r>
+          </a:p>
+        </p:txBody>
+      </p:sp>
+    </p:spTree>
+    <p:extLst>
+      <p:ext uri="{BB962C8B-B14F-4D97-AF65-F5344CB8AC3E}">
+        <p14:creationId xmlns:p14="http://schemas.microsoft.com/office/powerpoint/2010/main" val="3914084400"/>
       </p:ext>
     </p:extLst>
   </p:cSld>
@@ -7771,7 +7023,7 @@
           <a:p>
             <a:r>
               <a:rPr lang="en-US" dirty="0"/>
-              <a:t>A Non-Traditional Mkt…</a:t>
+              <a:t>Another non-traditional Market Example</a:t>
             </a:r>
           </a:p>
         </p:txBody>
@@ -7793,7 +7045,7 @@
           <a:p>
             <a:fld id="{6700A58B-DD98-43D0-B791-721480A02982}" type="datetime1">
               <a:rPr lang="en-US" smtClean="0"/>
-              <a:t>11/7/22</a:t>
+              <a:t>11/6/23</a:t>
             </a:fld>
             <a:endParaRPr lang="en-US"/>
           </a:p>
@@ -7801,33 +7053,29 @@
       </p:sp>
       <p:pic>
         <p:nvPicPr>
-          <p:cNvPr id="15362" name="Picture 2" descr="Image result for beanie babies meme">
-            <a:extLst>
-              <a:ext uri="{FF2B5EF4-FFF2-40B4-BE49-F238E27FC236}">
-                <a16:creationId xmlns:a16="http://schemas.microsoft.com/office/drawing/2014/main" id="{28E19B7F-A106-4E0B-B9C0-F2FC4C18C8DD}"/>
-              </a:ext>
-            </a:extLst>
-          </p:cNvPr>
+          <p:cNvPr id="2050" name="Picture 2" descr="Image result for magic the gathering"/>
           <p:cNvPicPr>
             <a:picLocks noChangeAspect="1" noChangeArrowheads="1"/>
           </p:cNvPicPr>
           <p:nvPr/>
         </p:nvPicPr>
-        <p:blipFill rotWithShape="1">
-          <a:blip r:embed="rId2">
+        <p:blipFill>
+          <a:blip r:embed="rId2" cstate="print">
             <a:extLst>
               <a:ext uri="{28A0092B-C50C-407E-A947-70E740481C1C}">
                 <a14:useLocalDpi xmlns:a14="http://schemas.microsoft.com/office/drawing/2010/main" val="0"/>
               </a:ext>
             </a:extLst>
           </a:blip>
-          <a:srcRect t="22133" b="13207"/>
-          <a:stretch/>
+          <a:srcRect/>
+          <a:stretch>
+            <a:fillRect/>
+          </a:stretch>
         </p:blipFill>
         <p:spPr bwMode="auto">
           <a:xfrm>
-            <a:off x="1430373" y="1109157"/>
-            <a:ext cx="6283255" cy="4639687"/>
+            <a:off x="392825" y="2455449"/>
+            <a:ext cx="3914481" cy="2201895"/>
           </a:xfrm>
           <a:prstGeom prst="rect">
             <a:avLst/>
@@ -7846,10 +7094,80 @@
       </p:pic>
       <p:sp>
         <p:nvSpPr>
-          <p:cNvPr id="7" name="Footer Placeholder 5">
+          <p:cNvPr id="6" name="TextBox 5"/>
+          <p:cNvSpPr txBox="1"/>
+          <p:nvPr/>
+        </p:nvSpPr>
+        <p:spPr>
+          <a:xfrm>
+            <a:off x="121920" y="5371770"/>
+            <a:ext cx="8936736" cy="830997"/>
+          </a:xfrm>
+          <a:prstGeom prst="rect">
+            <a:avLst/>
+          </a:prstGeom>
+          <a:noFill/>
+        </p:spPr>
+        <p:txBody>
+          <a:bodyPr wrap="square" rtlCol="0">
+            <a:spAutoFit/>
+          </a:bodyPr>
+          <a:lstStyle/>
+          <a:p>
+            <a:r>
+              <a:rPr lang="en-US" sz="1600" dirty="0"/>
+              <a:t>Owned by Hasbro, MTG is a 25 year old collectible trading card game.  It is estimated that there are 8-12million players worldwide.  Thus is it popular and has demonstrated longevity unlike other non-traditional markets.  </a:t>
+            </a:r>
+          </a:p>
+        </p:txBody>
+      </p:sp>
+      <p:pic>
+        <p:nvPicPr>
+          <p:cNvPr id="1026" name="Picture 2" descr="Image result for magic the gathering meme"/>
+          <p:cNvPicPr>
+            <a:picLocks noChangeAspect="1" noChangeArrowheads="1"/>
+          </p:cNvPicPr>
+          <p:nvPr/>
+        </p:nvPicPr>
+        <p:blipFill>
+          <a:blip r:embed="rId3">
+            <a:extLst>
+              <a:ext uri="{28A0092B-C50C-407E-A947-70E740481C1C}">
+                <a14:useLocalDpi xmlns:a14="http://schemas.microsoft.com/office/drawing/2010/main" val="0"/>
+              </a:ext>
+            </a:extLst>
+          </a:blip>
+          <a:srcRect/>
+          <a:stretch>
+            <a:fillRect/>
+          </a:stretch>
+        </p:blipFill>
+        <p:spPr bwMode="auto">
+          <a:xfrm>
+            <a:off x="5043486" y="1751122"/>
+            <a:ext cx="3356801" cy="3356801"/>
+          </a:xfrm>
+          <a:prstGeom prst="rect">
+            <a:avLst/>
+          </a:prstGeom>
+          <a:noFill/>
+          <a:extLst>
+            <a:ext uri="{909E8E84-426E-40DD-AFC4-6F175D3DCCD1}">
+              <a14:hiddenFill xmlns:a14="http://schemas.microsoft.com/office/drawing/2010/main">
+                <a:solidFill>
+                  <a:srgbClr val="FFFFFF"/>
+                </a:solidFill>
+              </a14:hiddenFill>
+            </a:ext>
+          </a:extLst>
+        </p:spPr>
+      </p:pic>
+      <p:sp>
+        <p:nvSpPr>
+          <p:cNvPr id="10" name="Footer Placeholder 5">
             <a:extLst>
               <a:ext uri="{FF2B5EF4-FFF2-40B4-BE49-F238E27FC236}">
-                <a16:creationId xmlns:a16="http://schemas.microsoft.com/office/drawing/2014/main" id="{ED3ACA71-DF34-DD4B-B642-C111AF1DCE7F}"/>
+                <a16:creationId xmlns:a16="http://schemas.microsoft.com/office/drawing/2014/main" id="{335A90A9-9680-9349-9684-0CFEEC3E77A6}"/>
               </a:ext>
             </a:extLst>
           </p:cNvPr>
@@ -7872,7 +7190,7 @@
           <a:p>
             <a:r>
               <a:rPr lang="en-US" dirty="0"/>
-              <a:t>Kwartler CSCI 96</a:t>
+              <a:t>Kwartler </a:t>
             </a:r>
           </a:p>
         </p:txBody>
@@ -7880,7 +7198,7 @@
     </p:spTree>
     <p:extLst>
       <p:ext uri="{BB962C8B-B14F-4D97-AF65-F5344CB8AC3E}">
-        <p14:creationId xmlns:p14="http://schemas.microsoft.com/office/powerpoint/2010/main" val="3914084400"/>
+        <p14:creationId xmlns:p14="http://schemas.microsoft.com/office/powerpoint/2010/main" val="1158208315"/>
       </p:ext>
     </p:extLst>
   </p:cSld>
@@ -7926,7 +7244,7 @@
           <a:p>
             <a:r>
               <a:rPr lang="en-US" dirty="0"/>
-              <a:t>Another non-traditional Market Example</a:t>
+              <a:t>Magic The Gathering</a:t>
             </a:r>
           </a:p>
         </p:txBody>
@@ -7948,7 +7266,7 @@
           <a:p>
             <a:fld id="{6700A58B-DD98-43D0-B791-721480A02982}" type="datetime1">
               <a:rPr lang="en-US" smtClean="0"/>
-              <a:t>11/7/22</a:t>
+              <a:t>11/6/23</a:t>
             </a:fld>
             <a:endParaRPr lang="en-US"/>
           </a:p>
@@ -7956,7 +7274,7 @@
       </p:sp>
       <p:pic>
         <p:nvPicPr>
-          <p:cNvPr id="2050" name="Picture 2" descr="Image result for magic the gathering"/>
+          <p:cNvPr id="3074" name="Picture 2" descr="Image result for magic the gathering"/>
           <p:cNvPicPr>
             <a:picLocks noChangeAspect="1" noChangeArrowheads="1"/>
           </p:cNvPicPr>
@@ -7977,8 +7295,8 @@
         </p:blipFill>
         <p:spPr bwMode="auto">
           <a:xfrm>
-            <a:off x="392825" y="2455449"/>
-            <a:ext cx="3914481" cy="2201895"/>
+            <a:off x="1094485" y="1690242"/>
+            <a:ext cx="6955031" cy="3477516"/>
           </a:xfrm>
           <a:prstGeom prst="rect">
             <a:avLst/>
@@ -7997,80 +7315,64 @@
       </p:pic>
       <p:sp>
         <p:nvSpPr>
-          <p:cNvPr id="6" name="TextBox 5"/>
-          <p:cNvSpPr txBox="1"/>
+          <p:cNvPr id="9" name="Rectangle 8">
+            <a:extLst>
+              <a:ext uri="{FF2B5EF4-FFF2-40B4-BE49-F238E27FC236}">
+                <a16:creationId xmlns:a16="http://schemas.microsoft.com/office/drawing/2014/main" id="{E9D93CD6-B8AB-4FF1-8046-0707CD4F91A2}"/>
+              </a:ext>
+            </a:extLst>
+          </p:cNvPr>
+          <p:cNvSpPr/>
           <p:nvPr/>
         </p:nvSpPr>
         <p:spPr>
           <a:xfrm>
-            <a:off x="121920" y="5371770"/>
-            <a:ext cx="8936736" cy="830997"/>
+            <a:off x="150185" y="5780967"/>
+            <a:ext cx="8843630" cy="428543"/>
           </a:xfrm>
           <a:prstGeom prst="rect">
             <a:avLst/>
           </a:prstGeom>
-          <a:noFill/>
-        </p:spPr>
-        <p:txBody>
-          <a:bodyPr wrap="square" rtlCol="0">
-            <a:spAutoFit/>
-          </a:bodyPr>
-          <a:lstStyle/>
-          <a:p>
-            <a:r>
-              <a:rPr lang="en-US" sz="1600" dirty="0"/>
-              <a:t>Owned by Hasbro, MTG is a 25 year old collectible trading card game.  It is estimated that there are 8-12million players worldwide.  Thus is it popular and has demonstrated longevity unlike other non-traditional markets.  </a:t>
-            </a:r>
-          </a:p>
-        </p:txBody>
-      </p:sp>
-      <p:pic>
-        <p:nvPicPr>
-          <p:cNvPr id="1026" name="Picture 2" descr="Image result for magic the gathering meme"/>
-          <p:cNvPicPr>
-            <a:picLocks noChangeAspect="1" noChangeArrowheads="1"/>
-          </p:cNvPicPr>
-          <p:nvPr/>
-        </p:nvPicPr>
-        <p:blipFill>
-          <a:blip r:embed="rId3">
-            <a:extLst>
-              <a:ext uri="{28A0092B-C50C-407E-A947-70E740481C1C}">
-                <a14:useLocalDpi xmlns:a14="http://schemas.microsoft.com/office/drawing/2010/main" val="0"/>
-              </a:ext>
-            </a:extLst>
-          </a:blip>
-          <a:srcRect/>
-          <a:stretch>
-            <a:fillRect/>
-          </a:stretch>
-        </p:blipFill>
-        <p:spPr bwMode="auto">
-          <a:xfrm>
-            <a:off x="5043486" y="1751122"/>
-            <a:ext cx="3356801" cy="3356801"/>
-          </a:xfrm>
-          <a:prstGeom prst="rect">
-            <a:avLst/>
-          </a:prstGeom>
-          <a:noFill/>
-          <a:extLst>
-            <a:ext uri="{909E8E84-426E-40DD-AFC4-6F175D3DCCD1}">
-              <a14:hiddenFill xmlns:a14="http://schemas.microsoft.com/office/drawing/2010/main">
-                <a:solidFill>
-                  <a:srgbClr val="FFFFFF"/>
-                </a:solidFill>
-              </a14:hiddenFill>
-            </a:ext>
-          </a:extLst>
-        </p:spPr>
-      </p:pic>
+          <a:solidFill>
+            <a:schemeClr val="tx2"/>
+          </a:solidFill>
+          <a:ln>
+            <a:noFill/>
+          </a:ln>
+        </p:spPr>
+        <p:style>
+          <a:lnRef idx="2">
+            <a:schemeClr val="accent1">
+              <a:shade val="50000"/>
+            </a:schemeClr>
+          </a:lnRef>
+          <a:fillRef idx="1">
+            <a:schemeClr val="accent1"/>
+          </a:fillRef>
+          <a:effectRef idx="0">
+            <a:schemeClr val="accent1"/>
+          </a:effectRef>
+          <a:fontRef idx="minor">
+            <a:schemeClr val="lt1"/>
+          </a:fontRef>
+        </p:style>
+        <p:txBody>
+          <a:bodyPr rtlCol="0" anchor="ctr"/>
+          <a:lstStyle/>
+          <a:p>
+            <a:r>
+              <a:rPr lang="en-US" sz="1350" dirty="0"/>
+              <a:t>Players create 60 card decks with cards of different abilities for a duel.  Cards are fantasy based with creatures, sorceries, and mythical artifacts.</a:t>
+            </a:r>
+          </a:p>
+        </p:txBody>
+      </p:sp>
       <p:sp>
         <p:nvSpPr>
           <p:cNvPr id="10" name="Footer Placeholder 5">
             <a:extLst>
               <a:ext uri="{FF2B5EF4-FFF2-40B4-BE49-F238E27FC236}">
-                <a16:creationId xmlns:a16="http://schemas.microsoft.com/office/drawing/2014/main" id="{335A90A9-9680-9349-9684-0CFEEC3E77A6}"/>
+                <a16:creationId xmlns:a16="http://schemas.microsoft.com/office/drawing/2014/main" id="{BE481A70-9598-DF42-AE01-BD2CA58AF729}"/>
               </a:ext>
             </a:extLst>
           </p:cNvPr>
@@ -8093,7 +7395,7 @@
           <a:p>
             <a:r>
               <a:rPr lang="en-US" dirty="0"/>
-              <a:t>Kwartler CSCI 96</a:t>
+              <a:t>Kwartler </a:t>
             </a:r>
           </a:p>
         </p:txBody>
@@ -8101,7 +7403,7 @@
     </p:spTree>
     <p:extLst>
       <p:ext uri="{BB962C8B-B14F-4D97-AF65-F5344CB8AC3E}">
-        <p14:creationId xmlns:p14="http://schemas.microsoft.com/office/powerpoint/2010/main" val="1158208315"/>
+        <p14:creationId xmlns:p14="http://schemas.microsoft.com/office/powerpoint/2010/main" val="2448709147"/>
       </p:ext>
     </p:extLst>
   </p:cSld>
@@ -8169,212 +7471,7 @@
           <a:p>
             <a:fld id="{6700A58B-DD98-43D0-B791-721480A02982}" type="datetime1">
               <a:rPr lang="en-US" smtClean="0"/>
-              <a:t>11/7/22</a:t>
-            </a:fld>
-            <a:endParaRPr lang="en-US"/>
-          </a:p>
-        </p:txBody>
-      </p:sp>
-      <p:pic>
-        <p:nvPicPr>
-          <p:cNvPr id="3074" name="Picture 2" descr="Image result for magic the gathering"/>
-          <p:cNvPicPr>
-            <a:picLocks noChangeAspect="1" noChangeArrowheads="1"/>
-          </p:cNvPicPr>
-          <p:nvPr/>
-        </p:nvPicPr>
-        <p:blipFill>
-          <a:blip r:embed="rId2" cstate="print">
-            <a:extLst>
-              <a:ext uri="{28A0092B-C50C-407E-A947-70E740481C1C}">
-                <a14:useLocalDpi xmlns:a14="http://schemas.microsoft.com/office/drawing/2010/main" val="0"/>
-              </a:ext>
-            </a:extLst>
-          </a:blip>
-          <a:srcRect/>
-          <a:stretch>
-            <a:fillRect/>
-          </a:stretch>
-        </p:blipFill>
-        <p:spPr bwMode="auto">
-          <a:xfrm>
-            <a:off x="1094485" y="1690242"/>
-            <a:ext cx="6955031" cy="3477516"/>
-          </a:xfrm>
-          <a:prstGeom prst="rect">
-            <a:avLst/>
-          </a:prstGeom>
-          <a:noFill/>
-          <a:extLst>
-            <a:ext uri="{909E8E84-426E-40DD-AFC4-6F175D3DCCD1}">
-              <a14:hiddenFill xmlns:a14="http://schemas.microsoft.com/office/drawing/2010/main">
-                <a:solidFill>
-                  <a:srgbClr val="FFFFFF"/>
-                </a:solidFill>
-              </a14:hiddenFill>
-            </a:ext>
-          </a:extLst>
-        </p:spPr>
-      </p:pic>
-      <p:sp>
-        <p:nvSpPr>
-          <p:cNvPr id="9" name="Rectangle 8">
-            <a:extLst>
-              <a:ext uri="{FF2B5EF4-FFF2-40B4-BE49-F238E27FC236}">
-                <a16:creationId xmlns:a16="http://schemas.microsoft.com/office/drawing/2014/main" id="{E9D93CD6-B8AB-4FF1-8046-0707CD4F91A2}"/>
-              </a:ext>
-            </a:extLst>
-          </p:cNvPr>
-          <p:cNvSpPr/>
-          <p:nvPr/>
-        </p:nvSpPr>
-        <p:spPr>
-          <a:xfrm>
-            <a:off x="150185" y="5780967"/>
-            <a:ext cx="8843630" cy="428543"/>
-          </a:xfrm>
-          <a:prstGeom prst="rect">
-            <a:avLst/>
-          </a:prstGeom>
-          <a:solidFill>
-            <a:schemeClr val="tx2"/>
-          </a:solidFill>
-          <a:ln>
-            <a:noFill/>
-          </a:ln>
-        </p:spPr>
-        <p:style>
-          <a:lnRef idx="2">
-            <a:schemeClr val="accent1">
-              <a:shade val="50000"/>
-            </a:schemeClr>
-          </a:lnRef>
-          <a:fillRef idx="1">
-            <a:schemeClr val="accent1"/>
-          </a:fillRef>
-          <a:effectRef idx="0">
-            <a:schemeClr val="accent1"/>
-          </a:effectRef>
-          <a:fontRef idx="minor">
-            <a:schemeClr val="lt1"/>
-          </a:fontRef>
-        </p:style>
-        <p:txBody>
-          <a:bodyPr rtlCol="0" anchor="ctr"/>
-          <a:lstStyle/>
-          <a:p>
-            <a:r>
-              <a:rPr lang="en-US" sz="1350" dirty="0"/>
-              <a:t>Players create 60 card decks with cards of different abilities for a duel.  Cards are fantasy based with creatures, sorceries, and mythical artifacts.</a:t>
-            </a:r>
-          </a:p>
-        </p:txBody>
-      </p:sp>
-      <p:sp>
-        <p:nvSpPr>
-          <p:cNvPr id="10" name="Footer Placeholder 5">
-            <a:extLst>
-              <a:ext uri="{FF2B5EF4-FFF2-40B4-BE49-F238E27FC236}">
-                <a16:creationId xmlns:a16="http://schemas.microsoft.com/office/drawing/2014/main" id="{BE481A70-9598-DF42-AE01-BD2CA58AF729}"/>
-              </a:ext>
-            </a:extLst>
-          </p:cNvPr>
-          <p:cNvSpPr>
-            <a:spLocks noGrp="1"/>
-          </p:cNvSpPr>
-          <p:nvPr>
-            <p:ph type="ftr" sz="quarter" idx="3"/>
-          </p:nvPr>
-        </p:nvSpPr>
-        <p:spPr>
-          <a:xfrm>
-            <a:off x="3028950" y="6356353"/>
-            <a:ext cx="3086100" cy="365125"/>
-          </a:xfrm>
-        </p:spPr>
-        <p:txBody>
-          <a:bodyPr/>
-          <a:lstStyle/>
-          <a:p>
-            <a:r>
-              <a:rPr lang="en-US" dirty="0"/>
-              <a:t>Kwartler CSCI 96</a:t>
-            </a:r>
-          </a:p>
-        </p:txBody>
-      </p:sp>
-    </p:spTree>
-    <p:extLst>
-      <p:ext uri="{BB962C8B-B14F-4D97-AF65-F5344CB8AC3E}">
-        <p14:creationId xmlns:p14="http://schemas.microsoft.com/office/powerpoint/2010/main" val="2448709147"/>
-      </p:ext>
-    </p:extLst>
-  </p:cSld>
-  <p:clrMapOvr>
-    <a:masterClrMapping/>
-  </p:clrMapOvr>
-</p:sld>
-</file>
-
-<file path=ppt/slides/slide7.xml><?xml version="1.0" encoding="utf-8"?>
-<p:sld xmlns:a="http://schemas.openxmlformats.org/drawingml/2006/main" xmlns:r="http://schemas.openxmlformats.org/officeDocument/2006/relationships" xmlns:p="http://schemas.openxmlformats.org/presentationml/2006/main">
-  <p:cSld>
-    <p:spTree>
-      <p:nvGrpSpPr>
-        <p:cNvPr id="1" name=""/>
-        <p:cNvGrpSpPr/>
-        <p:nvPr/>
-      </p:nvGrpSpPr>
-      <p:grpSpPr>
-        <a:xfrm>
-          <a:off x="0" y="0"/>
-          <a:ext cx="0" cy="0"/>
-          <a:chOff x="0" y="0"/>
-          <a:chExt cx="0" cy="0"/>
-        </a:xfrm>
-      </p:grpSpPr>
-      <p:sp>
-        <p:nvSpPr>
-          <p:cNvPr id="3" name="Title 2"/>
-          <p:cNvSpPr>
-            <a:spLocks noGrp="1"/>
-          </p:cNvSpPr>
-          <p:nvPr>
-            <p:ph type="title"/>
-          </p:nvPr>
-        </p:nvSpPr>
-        <p:spPr/>
-        <p:txBody>
-          <a:bodyPr>
-            <a:normAutofit/>
-          </a:bodyPr>
-          <a:lstStyle/>
-          <a:p>
-            <a:r>
-              <a:rPr lang="en-US" dirty="0"/>
-              <a:t>Magic The Gathering</a:t>
-            </a:r>
-          </a:p>
-        </p:txBody>
-      </p:sp>
-      <p:sp>
-        <p:nvSpPr>
-          <p:cNvPr id="2" name="Date Placeholder 1"/>
-          <p:cNvSpPr>
-            <a:spLocks noGrp="1"/>
-          </p:cNvSpPr>
-          <p:nvPr>
-            <p:ph type="dt" sz="half" idx="10"/>
-          </p:nvPr>
-        </p:nvSpPr>
-        <p:spPr/>
-        <p:txBody>
-          <a:bodyPr/>
-          <a:lstStyle/>
-          <a:p>
-            <a:fld id="{6700A58B-DD98-43D0-B791-721480A02982}" type="datetime1">
-              <a:rPr lang="en-US" smtClean="0"/>
-              <a:t>11/7/22</a:t>
+              <a:t>11/6/23</a:t>
             </a:fld>
             <a:endParaRPr lang="en-US"/>
           </a:p>
@@ -8545,7 +7642,7 @@
           <a:p>
             <a:r>
               <a:rPr lang="en-US" dirty="0"/>
-              <a:t>Kwartler CSCI 96</a:t>
+              <a:t>Kwartler </a:t>
             </a:r>
           </a:p>
         </p:txBody>
@@ -8563,7 +7660,7 @@
 </p:sld>
 </file>
 
-<file path=ppt/slides/slide8.xml><?xml version="1.0" encoding="utf-8"?>
+<file path=ppt/slides/slide7.xml><?xml version="1.0" encoding="utf-8"?>
 <p:sld xmlns:a="http://schemas.openxmlformats.org/drawingml/2006/main" xmlns:r="http://schemas.openxmlformats.org/officeDocument/2006/relationships" xmlns:p="http://schemas.openxmlformats.org/presentationml/2006/main">
   <p:cSld>
     <p:spTree>
@@ -8680,7 +7777,7 @@
           <a:p>
             <a:fld id="{6700A58B-DD98-43D0-B791-721480A02982}" type="datetime1">
               <a:rPr lang="en-US" smtClean="0"/>
-              <a:t>11/7/22</a:t>
+              <a:t>11/6/23</a:t>
             </a:fld>
             <a:endParaRPr lang="en-US"/>
           </a:p>
@@ -8789,7 +7886,7 @@
           <a:p>
             <a:r>
               <a:rPr lang="en-US" dirty="0"/>
-              <a:t>Kwartler CSCI 96</a:t>
+              <a:t>Kwartler </a:t>
             </a:r>
           </a:p>
         </p:txBody>
@@ -8981,7 +8078,7 @@
 </p:sld>
 </file>
 
-<file path=ppt/slides/slide9.xml><?xml version="1.0" encoding="utf-8"?>
+<file path=ppt/slides/slide8.xml><?xml version="1.0" encoding="utf-8"?>
 <p:sld xmlns:a="http://schemas.openxmlformats.org/drawingml/2006/main" xmlns:r="http://schemas.openxmlformats.org/officeDocument/2006/relationships" xmlns:p="http://schemas.openxmlformats.org/presentationml/2006/main">
   <p:cSld>
     <p:spTree>
@@ -9039,7 +8136,7 @@
           <a:p>
             <a:fld id="{6700A58B-DD98-43D0-B791-721480A02982}" type="datetime1">
               <a:rPr lang="en-US" smtClean="0"/>
-              <a:t>11/7/22</a:t>
+              <a:t>11/6/23</a:t>
             </a:fld>
             <a:endParaRPr lang="en-US"/>
           </a:p>
@@ -9248,7 +8345,7 @@
           <a:p>
             <a:r>
               <a:rPr lang="en-US" dirty="0"/>
-              <a:t>Kwartler CSCI 96</a:t>
+              <a:t>Kwartler </a:t>
             </a:r>
           </a:p>
         </p:txBody>
@@ -9351,6 +8448,186 @@
     <p:extLst>
       <p:ext uri="{BB962C8B-B14F-4D97-AF65-F5344CB8AC3E}">
         <p14:creationId xmlns:p14="http://schemas.microsoft.com/office/powerpoint/2010/main" val="2603280835"/>
+      </p:ext>
+    </p:extLst>
+  </p:cSld>
+  <p:clrMapOvr>
+    <a:masterClrMapping/>
+  </p:clrMapOvr>
+</p:sld>
+</file>
+
+<file path=ppt/slides/slide9.xml><?xml version="1.0" encoding="utf-8"?>
+<p:sld xmlns:a="http://schemas.openxmlformats.org/drawingml/2006/main" xmlns:r="http://schemas.openxmlformats.org/officeDocument/2006/relationships" xmlns:p="http://schemas.openxmlformats.org/presentationml/2006/main">
+  <p:cSld>
+    <p:spTree>
+      <p:nvGrpSpPr>
+        <p:cNvPr id="1" name=""/>
+        <p:cNvGrpSpPr/>
+        <p:nvPr/>
+      </p:nvGrpSpPr>
+      <p:grpSpPr>
+        <a:xfrm>
+          <a:off x="0" y="0"/>
+          <a:ext cx="0" cy="0"/>
+          <a:chOff x="0" y="0"/>
+          <a:chExt cx="0" cy="0"/>
+        </a:xfrm>
+      </p:grpSpPr>
+      <p:sp>
+        <p:nvSpPr>
+          <p:cNvPr id="3" name="Title 2"/>
+          <p:cNvSpPr>
+            <a:spLocks noGrp="1"/>
+          </p:cNvSpPr>
+          <p:nvPr>
+            <p:ph type="title"/>
+          </p:nvPr>
+        </p:nvSpPr>
+        <p:spPr/>
+        <p:txBody>
+          <a:bodyPr>
+            <a:normAutofit/>
+          </a:bodyPr>
+          <a:lstStyle/>
+          <a:p>
+            <a:r>
+              <a:rPr lang="en-US" dirty="0"/>
+              <a:t>People Speculate as Supply Diminishes</a:t>
+            </a:r>
+          </a:p>
+        </p:txBody>
+      </p:sp>
+      <p:sp>
+        <p:nvSpPr>
+          <p:cNvPr id="2" name="Date Placeholder 1"/>
+          <p:cNvSpPr>
+            <a:spLocks noGrp="1"/>
+          </p:cNvSpPr>
+          <p:nvPr>
+            <p:ph type="dt" sz="half" idx="10"/>
+          </p:nvPr>
+        </p:nvSpPr>
+        <p:spPr/>
+        <p:txBody>
+          <a:bodyPr/>
+          <a:lstStyle/>
+          <a:p>
+            <a:fld id="{6700A58B-DD98-43D0-B791-721480A02982}" type="datetime1">
+              <a:rPr lang="en-US" smtClean="0"/>
+              <a:t>11/6/23</a:t>
+            </a:fld>
+            <a:endParaRPr lang="en-US"/>
+          </a:p>
+        </p:txBody>
+      </p:sp>
+      <p:pic>
+        <p:nvPicPr>
+          <p:cNvPr id="8" name="Picture 7"/>
+          <p:cNvPicPr>
+            <a:picLocks noChangeAspect="1"/>
+          </p:cNvPicPr>
+          <p:nvPr/>
+        </p:nvPicPr>
+        <p:blipFill>
+          <a:blip r:embed="rId3"/>
+          <a:stretch>
+            <a:fillRect/>
+          </a:stretch>
+        </p:blipFill>
+        <p:spPr>
+          <a:xfrm>
+            <a:off x="661991" y="1373886"/>
+            <a:ext cx="4999040" cy="3505074"/>
+          </a:xfrm>
+          <a:prstGeom prst="rect">
+            <a:avLst/>
+          </a:prstGeom>
+          <a:ln>
+            <a:solidFill>
+              <a:schemeClr val="tx1"/>
+            </a:solidFill>
+          </a:ln>
+        </p:spPr>
+      </p:pic>
+      <p:pic>
+        <p:nvPicPr>
+          <p:cNvPr id="1026" name="Picture 2" descr="Image result for speculation meme"/>
+          <p:cNvPicPr>
+            <a:picLocks noChangeAspect="1" noChangeArrowheads="1"/>
+          </p:cNvPicPr>
+          <p:nvPr/>
+        </p:nvPicPr>
+        <p:blipFill>
+          <a:blip r:embed="rId4">
+            <a:extLst>
+              <a:ext uri="{28A0092B-C50C-407E-A947-70E740481C1C}">
+                <a14:useLocalDpi xmlns:a14="http://schemas.microsoft.com/office/drawing/2010/main" val="0"/>
+              </a:ext>
+            </a:extLst>
+          </a:blip>
+          <a:srcRect/>
+          <a:stretch>
+            <a:fillRect/>
+          </a:stretch>
+        </p:blipFill>
+        <p:spPr bwMode="auto">
+          <a:xfrm>
+            <a:off x="3723484" y="2551020"/>
+            <a:ext cx="4396388" cy="3215398"/>
+          </a:xfrm>
+          <a:prstGeom prst="rect">
+            <a:avLst/>
+          </a:prstGeom>
+          <a:noFill/>
+          <a:extLst>
+            <a:ext uri="{909E8E84-426E-40DD-AFC4-6F175D3DCCD1}">
+              <a14:hiddenFill xmlns:a14="http://schemas.microsoft.com/office/drawing/2010/main">
+                <a:solidFill>
+                  <a:srgbClr val="FFFFFF"/>
+                </a:solidFill>
+              </a14:hiddenFill>
+            </a:ext>
+          </a:extLst>
+        </p:spPr>
+      </p:pic>
+      <p:sp>
+        <p:nvSpPr>
+          <p:cNvPr id="10" name="Footer Placeholder 5">
+            <a:extLst>
+              <a:ext uri="{FF2B5EF4-FFF2-40B4-BE49-F238E27FC236}">
+                <a16:creationId xmlns:a16="http://schemas.microsoft.com/office/drawing/2014/main" id="{31A48B11-F5DE-5340-A7D0-AAE280E41A62}"/>
+              </a:ext>
+            </a:extLst>
+          </p:cNvPr>
+          <p:cNvSpPr>
+            <a:spLocks noGrp="1"/>
+          </p:cNvSpPr>
+          <p:nvPr>
+            <p:ph type="ftr" sz="quarter" idx="3"/>
+          </p:nvPr>
+        </p:nvSpPr>
+        <p:spPr>
+          <a:xfrm>
+            <a:off x="3028950" y="6356353"/>
+            <a:ext cx="3086100" cy="365125"/>
+          </a:xfrm>
+        </p:spPr>
+        <p:txBody>
+          <a:bodyPr/>
+          <a:lstStyle/>
+          <a:p>
+            <a:r>
+              <a:rPr lang="en-US" dirty="0"/>
+              <a:t>Kwartler </a:t>
+            </a:r>
+          </a:p>
+        </p:txBody>
+      </p:sp>
+    </p:spTree>
+    <p:extLst>
+      <p:ext uri="{BB962C8B-B14F-4D97-AF65-F5344CB8AC3E}">
+        <p14:creationId xmlns:p14="http://schemas.microsoft.com/office/powerpoint/2010/main" val="3441808041"/>
       </p:ext>
     </p:extLst>
   </p:cSld>
